--- a/Seminar Git HaND/Seminar_Git_Slide.pptx
+++ b/Seminar Git HaND/Seminar_Git_Slide.pptx
@@ -2,16 +2,32 @@
 <file path=ppt/presentation.xml><?xml version="1.0" encoding="utf-8"?>
 <p:presentation xmlns:a="http://schemas.openxmlformats.org/drawingml/2006/main" xmlns:r="http://schemas.openxmlformats.org/officeDocument/2006/relationships" xmlns:p="http://schemas.openxmlformats.org/presentationml/2006/main" saveSubsetFonts="1" autoCompressPictures="0">
   <p:sldMasterIdLst>
-    <p:sldMasterId id="2147483648" r:id="rId1"/>
+    <p:sldMasterId id="2147483660" r:id="rId1"/>
   </p:sldMasterIdLst>
   <p:sldIdLst>
     <p:sldId id="256" r:id="rId2"/>
     <p:sldId id="258" r:id="rId3"/>
     <p:sldId id="259" r:id="rId4"/>
     <p:sldId id="260" r:id="rId5"/>
-    <p:sldId id="261" r:id="rId6"/>
-    <p:sldId id="262" r:id="rId7"/>
-    <p:sldId id="263" r:id="rId8"/>
+    <p:sldId id="278" r:id="rId6"/>
+    <p:sldId id="261" r:id="rId7"/>
+    <p:sldId id="279" r:id="rId8"/>
+    <p:sldId id="262" r:id="rId9"/>
+    <p:sldId id="263" r:id="rId10"/>
+    <p:sldId id="264" r:id="rId11"/>
+    <p:sldId id="265" r:id="rId12"/>
+    <p:sldId id="266" r:id="rId13"/>
+    <p:sldId id="267" r:id="rId14"/>
+    <p:sldId id="268" r:id="rId15"/>
+    <p:sldId id="269" r:id="rId16"/>
+    <p:sldId id="270" r:id="rId17"/>
+    <p:sldId id="271" r:id="rId18"/>
+    <p:sldId id="272" r:id="rId19"/>
+    <p:sldId id="273" r:id="rId20"/>
+    <p:sldId id="274" r:id="rId21"/>
+    <p:sldId id="275" r:id="rId22"/>
+    <p:sldId id="276" r:id="rId23"/>
+    <p:sldId id="277" r:id="rId24"/>
   </p:sldIdLst>
   <p:sldSz cx="9144000" cy="6858000" type="screen4x3"/>
   <p:notesSz cx="6858000" cy="9144000"/>
@@ -345,7 +361,7 @@
     </p:spTree>
     <p:extLst>
       <p:ext uri="{BB962C8B-B14F-4D97-AF65-F5344CB8AC3E}">
-        <p14:creationId xmlns:p14="http://schemas.microsoft.com/office/powerpoint/2010/main" val="2700898716"/>
+        <p14:creationId xmlns:p14="http://schemas.microsoft.com/office/powerpoint/2010/main" val="2702019936"/>
       </p:ext>
     </p:extLst>
   </p:cSld>
@@ -515,7 +531,7 @@
     </p:spTree>
     <p:extLst>
       <p:ext uri="{BB962C8B-B14F-4D97-AF65-F5344CB8AC3E}">
-        <p14:creationId xmlns:p14="http://schemas.microsoft.com/office/powerpoint/2010/main" val="1080625450"/>
+        <p14:creationId xmlns:p14="http://schemas.microsoft.com/office/powerpoint/2010/main" val="2949498235"/>
       </p:ext>
     </p:extLst>
   </p:cSld>
@@ -695,7 +711,7 @@
     </p:spTree>
     <p:extLst>
       <p:ext uri="{BB962C8B-B14F-4D97-AF65-F5344CB8AC3E}">
-        <p14:creationId xmlns:p14="http://schemas.microsoft.com/office/powerpoint/2010/main" val="1756304329"/>
+        <p14:creationId xmlns:p14="http://schemas.microsoft.com/office/powerpoint/2010/main" val="1427941222"/>
       </p:ext>
     </p:extLst>
   </p:cSld>
@@ -865,7 +881,7 @@
     </p:spTree>
     <p:extLst>
       <p:ext uri="{BB962C8B-B14F-4D97-AF65-F5344CB8AC3E}">
-        <p14:creationId xmlns:p14="http://schemas.microsoft.com/office/powerpoint/2010/main" val="650327082"/>
+        <p14:creationId xmlns:p14="http://schemas.microsoft.com/office/powerpoint/2010/main" val="2275933374"/>
       </p:ext>
     </p:extLst>
   </p:cSld>
@@ -1111,7 +1127,7 @@
     </p:spTree>
     <p:extLst>
       <p:ext uri="{BB962C8B-B14F-4D97-AF65-F5344CB8AC3E}">
-        <p14:creationId xmlns:p14="http://schemas.microsoft.com/office/powerpoint/2010/main" val="1093511565"/>
+        <p14:creationId xmlns:p14="http://schemas.microsoft.com/office/powerpoint/2010/main" val="1798952600"/>
       </p:ext>
     </p:extLst>
   </p:cSld>
@@ -1399,7 +1415,7 @@
     </p:spTree>
     <p:extLst>
       <p:ext uri="{BB962C8B-B14F-4D97-AF65-F5344CB8AC3E}">
-        <p14:creationId xmlns:p14="http://schemas.microsoft.com/office/powerpoint/2010/main" val="3833128933"/>
+        <p14:creationId xmlns:p14="http://schemas.microsoft.com/office/powerpoint/2010/main" val="1034301619"/>
       </p:ext>
     </p:extLst>
   </p:cSld>
@@ -1821,7 +1837,7 @@
     </p:spTree>
     <p:extLst>
       <p:ext uri="{BB962C8B-B14F-4D97-AF65-F5344CB8AC3E}">
-        <p14:creationId xmlns:p14="http://schemas.microsoft.com/office/powerpoint/2010/main" val="152264404"/>
+        <p14:creationId xmlns:p14="http://schemas.microsoft.com/office/powerpoint/2010/main" val="1417940929"/>
       </p:ext>
     </p:extLst>
   </p:cSld>
@@ -1939,7 +1955,7 @@
     </p:spTree>
     <p:extLst>
       <p:ext uri="{BB962C8B-B14F-4D97-AF65-F5344CB8AC3E}">
-        <p14:creationId xmlns:p14="http://schemas.microsoft.com/office/powerpoint/2010/main" val="4451129"/>
+        <p14:creationId xmlns:p14="http://schemas.microsoft.com/office/powerpoint/2010/main" val="656067729"/>
       </p:ext>
     </p:extLst>
   </p:cSld>
@@ -2034,7 +2050,7 @@
     </p:spTree>
     <p:extLst>
       <p:ext uri="{BB962C8B-B14F-4D97-AF65-F5344CB8AC3E}">
-        <p14:creationId xmlns:p14="http://schemas.microsoft.com/office/powerpoint/2010/main" val="3650923689"/>
+        <p14:creationId xmlns:p14="http://schemas.microsoft.com/office/powerpoint/2010/main" val="1249128790"/>
       </p:ext>
     </p:extLst>
   </p:cSld>
@@ -2311,7 +2327,7 @@
     </p:spTree>
     <p:extLst>
       <p:ext uri="{BB962C8B-B14F-4D97-AF65-F5344CB8AC3E}">
-        <p14:creationId xmlns:p14="http://schemas.microsoft.com/office/powerpoint/2010/main" val="2714409159"/>
+        <p14:creationId xmlns:p14="http://schemas.microsoft.com/office/powerpoint/2010/main" val="2730116199"/>
       </p:ext>
     </p:extLst>
   </p:cSld>
@@ -2427,6 +2443,10 @@
             </a:lvl9pPr>
           </a:lstStyle>
           <a:p>
+            <a:r>
+              <a:rPr lang="en-US" smtClean="0"/>
+              <a:t>Drag picture to placeholder or click icon to add</a:t>
+            </a:r>
             <a:endParaRPr lang="en-US"/>
           </a:p>
         </p:txBody>
@@ -2564,7 +2584,7 @@
     </p:spTree>
     <p:extLst>
       <p:ext uri="{BB962C8B-B14F-4D97-AF65-F5344CB8AC3E}">
-        <p14:creationId xmlns:p14="http://schemas.microsoft.com/office/powerpoint/2010/main" val="1136368805"/>
+        <p14:creationId xmlns:p14="http://schemas.microsoft.com/office/powerpoint/2010/main" val="506574558"/>
       </p:ext>
     </p:extLst>
   </p:cSld>
@@ -2813,27 +2833,27 @@
     </p:spTree>
     <p:extLst>
       <p:ext uri="{BB962C8B-B14F-4D97-AF65-F5344CB8AC3E}">
-        <p14:creationId xmlns:p14="http://schemas.microsoft.com/office/powerpoint/2010/main" val="600993897"/>
+        <p14:creationId xmlns:p14="http://schemas.microsoft.com/office/powerpoint/2010/main" val="2557711237"/>
       </p:ext>
     </p:extLst>
   </p:cSld>
-  <p:clrMap bg1="lt1" tx1="dk1" bg2="lt2" tx2="dk2" accent1="accent1" accent2="accent2" accent3="accent3" accent4="accent4" accent5="accent5" accent6="accent6" hlink="hlink" folHlink="folHlink"/>
+  <p:clrMap bg1="dk1" tx1="lt1" bg2="dk2" tx2="lt2" accent1="accent1" accent2="accent2" accent3="accent3" accent4="accent4" accent5="accent5" accent6="accent6" hlink="hlink" folHlink="folHlink"/>
   <p:sldLayoutIdLst>
-    <p:sldLayoutId id="2147483649" r:id="rId1"/>
-    <p:sldLayoutId id="2147483650" r:id="rId2"/>
-    <p:sldLayoutId id="2147483651" r:id="rId3"/>
-    <p:sldLayoutId id="2147483652" r:id="rId4"/>
-    <p:sldLayoutId id="2147483653" r:id="rId5"/>
-    <p:sldLayoutId id="2147483654" r:id="rId6"/>
-    <p:sldLayoutId id="2147483655" r:id="rId7"/>
-    <p:sldLayoutId id="2147483656" r:id="rId8"/>
-    <p:sldLayoutId id="2147483657" r:id="rId9"/>
-    <p:sldLayoutId id="2147483658" r:id="rId10"/>
-    <p:sldLayoutId id="2147483659" r:id="rId11"/>
+    <p:sldLayoutId id="2147483661" r:id="rId1"/>
+    <p:sldLayoutId id="2147483662" r:id="rId2"/>
+    <p:sldLayoutId id="2147483663" r:id="rId3"/>
+    <p:sldLayoutId id="2147483664" r:id="rId4"/>
+    <p:sldLayoutId id="2147483665" r:id="rId5"/>
+    <p:sldLayoutId id="2147483666" r:id="rId6"/>
+    <p:sldLayoutId id="2147483667" r:id="rId7"/>
+    <p:sldLayoutId id="2147483668" r:id="rId8"/>
+    <p:sldLayoutId id="2147483669" r:id="rId9"/>
+    <p:sldLayoutId id="2147483670" r:id="rId10"/>
+    <p:sldLayoutId id="2147483671" r:id="rId11"/>
   </p:sldLayoutIdLst>
   <p:txStyles>
     <p:titleStyle>
-      <a:lvl1pPr algn="ctr" defTabSz="457200" rtl="0" eaLnBrk="1" latinLnBrk="0" hangingPunct="1">
+      <a:lvl1pPr algn="ctr" defTabSz="914400" rtl="0" eaLnBrk="1" latinLnBrk="0" hangingPunct="1">
         <a:spcBef>
           <a:spcPct val="0"/>
         </a:spcBef>
@@ -2849,11 +2869,11 @@
       </a:lvl1pPr>
     </p:titleStyle>
     <p:bodyStyle>
-      <a:lvl1pPr marL="342900" indent="-342900" algn="l" defTabSz="457200" rtl="0" eaLnBrk="1" latinLnBrk="0" hangingPunct="1">
+      <a:lvl1pPr marL="342900" indent="-342900" algn="l" defTabSz="914400" rtl="0" eaLnBrk="1" latinLnBrk="0" hangingPunct="1">
         <a:spcBef>
           <a:spcPct val="20000"/>
         </a:spcBef>
-        <a:buFont typeface="Arial"/>
+        <a:buFont typeface="Arial" pitchFamily="34" charset="0"/>
         <a:buChar char="•"/>
         <a:defRPr sz="3200" kern="1200">
           <a:solidFill>
@@ -2864,11 +2884,11 @@
           <a:cs typeface="+mn-cs"/>
         </a:defRPr>
       </a:lvl1pPr>
-      <a:lvl2pPr marL="742950" indent="-285750" algn="l" defTabSz="457200" rtl="0" eaLnBrk="1" latinLnBrk="0" hangingPunct="1">
+      <a:lvl2pPr marL="742950" indent="-285750" algn="l" defTabSz="914400" rtl="0" eaLnBrk="1" latinLnBrk="0" hangingPunct="1">
         <a:spcBef>
           <a:spcPct val="20000"/>
         </a:spcBef>
-        <a:buFont typeface="Arial"/>
+        <a:buFont typeface="Arial" pitchFamily="34" charset="0"/>
         <a:buChar char="–"/>
         <a:defRPr sz="2800" kern="1200">
           <a:solidFill>
@@ -2879,11 +2899,11 @@
           <a:cs typeface="+mn-cs"/>
         </a:defRPr>
       </a:lvl2pPr>
-      <a:lvl3pPr marL="1143000" indent="-228600" algn="l" defTabSz="457200" rtl="0" eaLnBrk="1" latinLnBrk="0" hangingPunct="1">
+      <a:lvl3pPr marL="1143000" indent="-228600" algn="l" defTabSz="914400" rtl="0" eaLnBrk="1" latinLnBrk="0" hangingPunct="1">
         <a:spcBef>
           <a:spcPct val="20000"/>
         </a:spcBef>
-        <a:buFont typeface="Arial"/>
+        <a:buFont typeface="Arial" pitchFamily="34" charset="0"/>
         <a:buChar char="•"/>
         <a:defRPr sz="2400" kern="1200">
           <a:solidFill>
@@ -2894,11 +2914,11 @@
           <a:cs typeface="+mn-cs"/>
         </a:defRPr>
       </a:lvl3pPr>
-      <a:lvl4pPr marL="1600200" indent="-228600" algn="l" defTabSz="457200" rtl="0" eaLnBrk="1" latinLnBrk="0" hangingPunct="1">
+      <a:lvl4pPr marL="1600200" indent="-228600" algn="l" defTabSz="914400" rtl="0" eaLnBrk="1" latinLnBrk="0" hangingPunct="1">
         <a:spcBef>
           <a:spcPct val="20000"/>
         </a:spcBef>
-        <a:buFont typeface="Arial"/>
+        <a:buFont typeface="Arial" pitchFamily="34" charset="0"/>
         <a:buChar char="–"/>
         <a:defRPr sz="2000" kern="1200">
           <a:solidFill>
@@ -2909,11 +2929,11 @@
           <a:cs typeface="+mn-cs"/>
         </a:defRPr>
       </a:lvl4pPr>
-      <a:lvl5pPr marL="2057400" indent="-228600" algn="l" defTabSz="457200" rtl="0" eaLnBrk="1" latinLnBrk="0" hangingPunct="1">
+      <a:lvl5pPr marL="2057400" indent="-228600" algn="l" defTabSz="914400" rtl="0" eaLnBrk="1" latinLnBrk="0" hangingPunct="1">
         <a:spcBef>
           <a:spcPct val="20000"/>
         </a:spcBef>
-        <a:buFont typeface="Arial"/>
+        <a:buFont typeface="Arial" pitchFamily="34" charset="0"/>
         <a:buChar char="»"/>
         <a:defRPr sz="2000" kern="1200">
           <a:solidFill>
@@ -2924,11 +2944,11 @@
           <a:cs typeface="+mn-cs"/>
         </a:defRPr>
       </a:lvl5pPr>
-      <a:lvl6pPr marL="2514600" indent="-228600" algn="l" defTabSz="457200" rtl="0" eaLnBrk="1" latinLnBrk="0" hangingPunct="1">
+      <a:lvl6pPr marL="2514600" indent="-228600" algn="l" defTabSz="914400" rtl="0" eaLnBrk="1" latinLnBrk="0" hangingPunct="1">
         <a:spcBef>
           <a:spcPct val="20000"/>
         </a:spcBef>
-        <a:buFont typeface="Arial"/>
+        <a:buFont typeface="Arial" pitchFamily="34" charset="0"/>
         <a:buChar char="•"/>
         <a:defRPr sz="2000" kern="1200">
           <a:solidFill>
@@ -2939,11 +2959,11 @@
           <a:cs typeface="+mn-cs"/>
         </a:defRPr>
       </a:lvl6pPr>
-      <a:lvl7pPr marL="2971800" indent="-228600" algn="l" defTabSz="457200" rtl="0" eaLnBrk="1" latinLnBrk="0" hangingPunct="1">
+      <a:lvl7pPr marL="2971800" indent="-228600" algn="l" defTabSz="914400" rtl="0" eaLnBrk="1" latinLnBrk="0" hangingPunct="1">
         <a:spcBef>
           <a:spcPct val="20000"/>
         </a:spcBef>
-        <a:buFont typeface="Arial"/>
+        <a:buFont typeface="Arial" pitchFamily="34" charset="0"/>
         <a:buChar char="•"/>
         <a:defRPr sz="2000" kern="1200">
           <a:solidFill>
@@ -2954,11 +2974,11 @@
           <a:cs typeface="+mn-cs"/>
         </a:defRPr>
       </a:lvl7pPr>
-      <a:lvl8pPr marL="3429000" indent="-228600" algn="l" defTabSz="457200" rtl="0" eaLnBrk="1" latinLnBrk="0" hangingPunct="1">
+      <a:lvl8pPr marL="3429000" indent="-228600" algn="l" defTabSz="914400" rtl="0" eaLnBrk="1" latinLnBrk="0" hangingPunct="1">
         <a:spcBef>
           <a:spcPct val="20000"/>
         </a:spcBef>
-        <a:buFont typeface="Arial"/>
+        <a:buFont typeface="Arial" pitchFamily="34" charset="0"/>
         <a:buChar char="•"/>
         <a:defRPr sz="2000" kern="1200">
           <a:solidFill>
@@ -2969,11 +2989,11 @@
           <a:cs typeface="+mn-cs"/>
         </a:defRPr>
       </a:lvl8pPr>
-      <a:lvl9pPr marL="3886200" indent="-228600" algn="l" defTabSz="457200" rtl="0" eaLnBrk="1" latinLnBrk="0" hangingPunct="1">
+      <a:lvl9pPr marL="3886200" indent="-228600" algn="l" defTabSz="914400" rtl="0" eaLnBrk="1" latinLnBrk="0" hangingPunct="1">
         <a:spcBef>
           <a:spcPct val="20000"/>
         </a:spcBef>
-        <a:buFont typeface="Arial"/>
+        <a:buFont typeface="Arial" pitchFamily="34" charset="0"/>
         <a:buChar char="•"/>
         <a:defRPr sz="2000" kern="1200">
           <a:solidFill>
@@ -2989,7 +3009,7 @@
       <a:defPPr>
         <a:defRPr lang="en-US"/>
       </a:defPPr>
-      <a:lvl1pPr marL="0" algn="l" defTabSz="457200" rtl="0" eaLnBrk="1" latinLnBrk="0" hangingPunct="1">
+      <a:lvl1pPr marL="0" algn="l" defTabSz="914400" rtl="0" eaLnBrk="1" latinLnBrk="0" hangingPunct="1">
         <a:defRPr sz="1800" kern="1200">
           <a:solidFill>
             <a:schemeClr val="tx1"/>
@@ -2999,7 +3019,7 @@
           <a:cs typeface="+mn-cs"/>
         </a:defRPr>
       </a:lvl1pPr>
-      <a:lvl2pPr marL="457200" algn="l" defTabSz="457200" rtl="0" eaLnBrk="1" latinLnBrk="0" hangingPunct="1">
+      <a:lvl2pPr marL="457200" algn="l" defTabSz="914400" rtl="0" eaLnBrk="1" latinLnBrk="0" hangingPunct="1">
         <a:defRPr sz="1800" kern="1200">
           <a:solidFill>
             <a:schemeClr val="tx1"/>
@@ -3009,7 +3029,7 @@
           <a:cs typeface="+mn-cs"/>
         </a:defRPr>
       </a:lvl2pPr>
-      <a:lvl3pPr marL="914400" algn="l" defTabSz="457200" rtl="0" eaLnBrk="1" latinLnBrk="0" hangingPunct="1">
+      <a:lvl3pPr marL="914400" algn="l" defTabSz="914400" rtl="0" eaLnBrk="1" latinLnBrk="0" hangingPunct="1">
         <a:defRPr sz="1800" kern="1200">
           <a:solidFill>
             <a:schemeClr val="tx1"/>
@@ -3019,7 +3039,7 @@
           <a:cs typeface="+mn-cs"/>
         </a:defRPr>
       </a:lvl3pPr>
-      <a:lvl4pPr marL="1371600" algn="l" defTabSz="457200" rtl="0" eaLnBrk="1" latinLnBrk="0" hangingPunct="1">
+      <a:lvl4pPr marL="1371600" algn="l" defTabSz="914400" rtl="0" eaLnBrk="1" latinLnBrk="0" hangingPunct="1">
         <a:defRPr sz="1800" kern="1200">
           <a:solidFill>
             <a:schemeClr val="tx1"/>
@@ -3029,7 +3049,7 @@
           <a:cs typeface="+mn-cs"/>
         </a:defRPr>
       </a:lvl4pPr>
-      <a:lvl5pPr marL="1828800" algn="l" defTabSz="457200" rtl="0" eaLnBrk="1" latinLnBrk="0" hangingPunct="1">
+      <a:lvl5pPr marL="1828800" algn="l" defTabSz="914400" rtl="0" eaLnBrk="1" latinLnBrk="0" hangingPunct="1">
         <a:defRPr sz="1800" kern="1200">
           <a:solidFill>
             <a:schemeClr val="tx1"/>
@@ -3039,7 +3059,7 @@
           <a:cs typeface="+mn-cs"/>
         </a:defRPr>
       </a:lvl5pPr>
-      <a:lvl6pPr marL="2286000" algn="l" defTabSz="457200" rtl="0" eaLnBrk="1" latinLnBrk="0" hangingPunct="1">
+      <a:lvl6pPr marL="2286000" algn="l" defTabSz="914400" rtl="0" eaLnBrk="1" latinLnBrk="0" hangingPunct="1">
         <a:defRPr sz="1800" kern="1200">
           <a:solidFill>
             <a:schemeClr val="tx1"/>
@@ -3049,7 +3069,7 @@
           <a:cs typeface="+mn-cs"/>
         </a:defRPr>
       </a:lvl6pPr>
-      <a:lvl7pPr marL="2743200" algn="l" defTabSz="457200" rtl="0" eaLnBrk="1" latinLnBrk="0" hangingPunct="1">
+      <a:lvl7pPr marL="2743200" algn="l" defTabSz="914400" rtl="0" eaLnBrk="1" latinLnBrk="0" hangingPunct="1">
         <a:defRPr sz="1800" kern="1200">
           <a:solidFill>
             <a:schemeClr val="tx1"/>
@@ -3059,7 +3079,7 @@
           <a:cs typeface="+mn-cs"/>
         </a:defRPr>
       </a:lvl7pPr>
-      <a:lvl8pPr marL="3200400" algn="l" defTabSz="457200" rtl="0" eaLnBrk="1" latinLnBrk="0" hangingPunct="1">
+      <a:lvl8pPr marL="3200400" algn="l" defTabSz="914400" rtl="0" eaLnBrk="1" latinLnBrk="0" hangingPunct="1">
         <a:defRPr sz="1800" kern="1200">
           <a:solidFill>
             <a:schemeClr val="tx1"/>
@@ -3069,7 +3089,7 @@
           <a:cs typeface="+mn-cs"/>
         </a:defRPr>
       </a:lvl8pPr>
-      <a:lvl9pPr marL="3657600" algn="l" defTabSz="457200" rtl="0" eaLnBrk="1" latinLnBrk="0" hangingPunct="1">
+      <a:lvl9pPr marL="3657600" algn="l" defTabSz="914400" rtl="0" eaLnBrk="1" latinLnBrk="0" hangingPunct="1">
         <a:defRPr sz="1800" kern="1200">
           <a:solidFill>
             <a:schemeClr val="tx1"/>
@@ -3111,7 +3131,12 @@
             <p:ph type="ctrTitle"/>
           </p:nvPr>
         </p:nvSpPr>
-        <p:spPr/>
+        <p:spPr>
+          <a:xfrm>
+            <a:off x="685800" y="1592542"/>
+            <a:ext cx="7772400" cy="1739340"/>
+          </a:xfrm>
+        </p:spPr>
         <p:txBody>
           <a:bodyPr>
             <a:normAutofit fontScale="90000"/>
@@ -3158,6 +3183,13 @@
               <a:t> </a:t>
             </a:r>
             <a:r>
+              <a:rPr lang="en-US" dirty="0" smtClean="0"/>
+              <a:t/>
+            </a:r>
+            <a:br>
+              <a:rPr lang="en-US" dirty="0" smtClean="0"/>
+            </a:br>
+            <a:r>
               <a:rPr lang="en-US" dirty="0" err="1" smtClean="0"/>
               <a:t>và</a:t>
             </a:r>
@@ -3166,7 +3198,7 @@
               <a:t> </a:t>
             </a:r>
             <a:r>
-              <a:rPr lang="en-US" dirty="0" err="1" smtClean="0"/>
+              <a:rPr lang="en-US" sz="4900" dirty="0" err="1" smtClean="0"/>
               <a:t>một</a:t>
             </a:r>
             <a:r>
@@ -3282,6 +3314,1952 @@
     <p:extLst>
       <p:ext uri="{BB962C8B-B14F-4D97-AF65-F5344CB8AC3E}">
         <p14:creationId xmlns:p14="http://schemas.microsoft.com/office/powerpoint/2010/main" val="3640333683"/>
+      </p:ext>
+    </p:extLst>
+  </p:cSld>
+  <p:clrMapOvr>
+    <a:masterClrMapping/>
+  </p:clrMapOvr>
+  <p:timing>
+    <p:tnLst>
+      <p:par>
+        <p:cTn xmlns:p14="http://schemas.microsoft.com/office/powerpoint/2010/main" id="1" dur="indefinite" restart="never" nodeType="tmRoot"/>
+      </p:par>
+    </p:tnLst>
+  </p:timing>
+</p:sld>
+</file>
+
+<file path=ppt/slides/slide10.xml><?xml version="1.0" encoding="utf-8"?>
+<p:sld xmlns:a="http://schemas.openxmlformats.org/drawingml/2006/main" xmlns:r="http://schemas.openxmlformats.org/officeDocument/2006/relationships" xmlns:p="http://schemas.openxmlformats.org/presentationml/2006/main">
+  <p:cSld>
+    <p:spTree>
+      <p:nvGrpSpPr>
+        <p:cNvPr id="1" name=""/>
+        <p:cNvGrpSpPr/>
+        <p:nvPr/>
+      </p:nvGrpSpPr>
+      <p:grpSpPr>
+        <a:xfrm>
+          <a:off x="0" y="0"/>
+          <a:ext cx="0" cy="0"/>
+          <a:chOff x="0" y="0"/>
+          <a:chExt cx="0" cy="0"/>
+        </a:xfrm>
+      </p:grpSpPr>
+      <p:sp>
+        <p:nvSpPr>
+          <p:cNvPr id="2" name="Title 1"/>
+          <p:cNvSpPr>
+            <a:spLocks noGrp="1"/>
+          </p:cNvSpPr>
+          <p:nvPr>
+            <p:ph type="title"/>
+          </p:nvPr>
+        </p:nvSpPr>
+        <p:spPr/>
+        <p:txBody>
+          <a:bodyPr/>
+          <a:lstStyle/>
+          <a:p>
+            <a:r>
+              <a:rPr lang="en-US" dirty="0" err="1"/>
+              <a:t>Nhánh</a:t>
+            </a:r>
+            <a:r>
+              <a:rPr lang="en-US" dirty="0"/>
+              <a:t> </a:t>
+            </a:r>
+            <a:r>
+              <a:rPr lang="en-US" dirty="0" err="1"/>
+              <a:t>trong</a:t>
+            </a:r>
+            <a:r>
+              <a:rPr lang="en-US" dirty="0"/>
+              <a:t> </a:t>
+            </a:r>
+            <a:r>
+              <a:rPr lang="en-US" dirty="0" err="1"/>
+              <a:t>Git</a:t>
+            </a:r>
+            <a:endParaRPr lang="en-US" dirty="0"/>
+          </a:p>
+        </p:txBody>
+      </p:sp>
+      <p:sp>
+        <p:nvSpPr>
+          <p:cNvPr id="3" name="Content Placeholder 2"/>
+          <p:cNvSpPr>
+            <a:spLocks noGrp="1"/>
+          </p:cNvSpPr>
+          <p:nvPr>
+            <p:ph idx="1"/>
+          </p:nvPr>
+        </p:nvSpPr>
+        <p:spPr/>
+        <p:txBody>
+          <a:bodyPr/>
+          <a:lstStyle/>
+          <a:p>
+            <a:r>
+              <a:rPr lang="en-US" dirty="0" err="1" smtClean="0"/>
+              <a:t>Thêm</a:t>
+            </a:r>
+            <a:r>
+              <a:rPr lang="en-US" dirty="0" smtClean="0"/>
+              <a:t> </a:t>
+            </a:r>
+            <a:r>
+              <a:rPr lang="en-US" dirty="0" err="1" smtClean="0"/>
+              <a:t>nhánh</a:t>
+            </a:r>
+            <a:r>
+              <a:rPr lang="en-US" dirty="0" smtClean="0"/>
+              <a:t> </a:t>
+            </a:r>
+            <a:r>
+              <a:rPr lang="en-US" dirty="0" err="1" smtClean="0"/>
+              <a:t>mới</a:t>
+            </a:r>
+            <a:r>
+              <a:rPr lang="en-US" dirty="0" smtClean="0"/>
+              <a:t>:</a:t>
+            </a:r>
+          </a:p>
+          <a:p>
+            <a:pPr marL="0" indent="0">
+              <a:buNone/>
+            </a:pPr>
+            <a:endParaRPr lang="en-US" dirty="0"/>
+          </a:p>
+        </p:txBody>
+      </p:sp>
+      <p:pic>
+        <p:nvPicPr>
+          <p:cNvPr id="4" name="Picture 3"/>
+          <p:cNvPicPr/>
+          <p:nvPr/>
+        </p:nvPicPr>
+        <p:blipFill>
+          <a:blip r:embed="rId2">
+            <a:extLst>
+              <a:ext uri="{28A0092B-C50C-407E-A947-70E740481C1C}">
+                <a14:useLocalDpi xmlns:a14="http://schemas.microsoft.com/office/drawing/2010/main" val="0"/>
+              </a:ext>
+            </a:extLst>
+          </a:blip>
+          <a:srcRect/>
+          <a:stretch>
+            <a:fillRect/>
+          </a:stretch>
+        </p:blipFill>
+        <p:spPr bwMode="auto">
+          <a:xfrm>
+            <a:off x="457201" y="2167889"/>
+            <a:ext cx="8229600" cy="3958273"/>
+          </a:xfrm>
+          <a:prstGeom prst="rect">
+            <a:avLst/>
+          </a:prstGeom>
+          <a:noFill/>
+          <a:ln>
+            <a:noFill/>
+          </a:ln>
+        </p:spPr>
+      </p:pic>
+    </p:spTree>
+    <p:extLst>
+      <p:ext uri="{BB962C8B-B14F-4D97-AF65-F5344CB8AC3E}">
+        <p14:creationId xmlns:p14="http://schemas.microsoft.com/office/powerpoint/2010/main" val="2919276048"/>
+      </p:ext>
+    </p:extLst>
+  </p:cSld>
+  <p:clrMapOvr>
+    <a:masterClrMapping/>
+  </p:clrMapOvr>
+</p:sld>
+</file>
+
+<file path=ppt/slides/slide11.xml><?xml version="1.0" encoding="utf-8"?>
+<p:sld xmlns:a="http://schemas.openxmlformats.org/drawingml/2006/main" xmlns:r="http://schemas.openxmlformats.org/officeDocument/2006/relationships" xmlns:p="http://schemas.openxmlformats.org/presentationml/2006/main">
+  <p:cSld>
+    <p:spTree>
+      <p:nvGrpSpPr>
+        <p:cNvPr id="1" name=""/>
+        <p:cNvGrpSpPr/>
+        <p:nvPr/>
+      </p:nvGrpSpPr>
+      <p:grpSpPr>
+        <a:xfrm>
+          <a:off x="0" y="0"/>
+          <a:ext cx="0" cy="0"/>
+          <a:chOff x="0" y="0"/>
+          <a:chExt cx="0" cy="0"/>
+        </a:xfrm>
+      </p:grpSpPr>
+      <p:sp>
+        <p:nvSpPr>
+          <p:cNvPr id="2" name="Title 1"/>
+          <p:cNvSpPr>
+            <a:spLocks noGrp="1"/>
+          </p:cNvSpPr>
+          <p:nvPr>
+            <p:ph type="title"/>
+          </p:nvPr>
+        </p:nvSpPr>
+        <p:spPr/>
+        <p:txBody>
+          <a:bodyPr>
+            <a:normAutofit fontScale="90000"/>
+          </a:bodyPr>
+          <a:lstStyle/>
+          <a:p>
+            <a:r>
+              <a:rPr lang="en-US" dirty="0" err="1"/>
+              <a:t>Nhánh</a:t>
+            </a:r>
+            <a:r>
+              <a:rPr lang="en-US" dirty="0"/>
+              <a:t> </a:t>
+            </a:r>
+            <a:r>
+              <a:rPr lang="en-US" dirty="0" err="1"/>
+              <a:t>trong</a:t>
+            </a:r>
+            <a:r>
+              <a:rPr lang="en-US" dirty="0"/>
+              <a:t> </a:t>
+            </a:r>
+            <a:r>
+              <a:rPr lang="en-US" dirty="0" err="1" smtClean="0"/>
+              <a:t>Git</a:t>
+            </a:r>
+            <a:r>
+              <a:rPr lang="en-US" dirty="0" smtClean="0"/>
+              <a:t/>
+            </a:r>
+            <a:br>
+              <a:rPr lang="en-US" dirty="0" smtClean="0"/>
+            </a:br>
+            <a:r>
+              <a:rPr lang="en-US" dirty="0" err="1" smtClean="0"/>
+              <a:t>Quản</a:t>
+            </a:r>
+            <a:r>
+              <a:rPr lang="en-US" dirty="0" smtClean="0"/>
+              <a:t> </a:t>
+            </a:r>
+            <a:r>
+              <a:rPr lang="en-US" dirty="0" err="1" smtClean="0"/>
+              <a:t>lý</a:t>
+            </a:r>
+            <a:r>
+              <a:rPr lang="en-US" dirty="0" smtClean="0"/>
+              <a:t> </a:t>
+            </a:r>
+            <a:r>
+              <a:rPr lang="en-US" dirty="0" err="1" smtClean="0"/>
+              <a:t>nhánh</a:t>
+            </a:r>
+            <a:endParaRPr lang="en-US" dirty="0"/>
+          </a:p>
+        </p:txBody>
+      </p:sp>
+      <p:sp>
+        <p:nvSpPr>
+          <p:cNvPr id="3" name="Content Placeholder 2"/>
+          <p:cNvSpPr>
+            <a:spLocks noGrp="1"/>
+          </p:cNvSpPr>
+          <p:nvPr>
+            <p:ph idx="1"/>
+          </p:nvPr>
+        </p:nvSpPr>
+        <p:spPr/>
+        <p:txBody>
+          <a:bodyPr>
+            <a:normAutofit lnSpcReduction="10000"/>
+          </a:bodyPr>
+          <a:lstStyle/>
+          <a:p>
+            <a:r>
+              <a:rPr lang="en-US" dirty="0" err="1" smtClean="0"/>
+              <a:t>Tạo</a:t>
+            </a:r>
+            <a:r>
+              <a:rPr lang="en-US" dirty="0" smtClean="0"/>
+              <a:t> </a:t>
+            </a:r>
+            <a:r>
+              <a:rPr lang="en-US" dirty="0" err="1" smtClean="0"/>
+              <a:t>nhánh</a:t>
+            </a:r>
+            <a:r>
+              <a:rPr lang="en-US" dirty="0" smtClean="0"/>
+              <a:t> </a:t>
+            </a:r>
+            <a:r>
+              <a:rPr lang="en-US" dirty="0" err="1" smtClean="0"/>
+              <a:t>mới</a:t>
+            </a:r>
+            <a:r>
+              <a:rPr lang="en-US" dirty="0" smtClean="0"/>
+              <a:t>:</a:t>
+            </a:r>
+          </a:p>
+          <a:p>
+            <a:pPr marL="0" indent="0">
+              <a:buNone/>
+            </a:pPr>
+            <a:r>
+              <a:rPr lang="en-US" dirty="0" smtClean="0"/>
+              <a:t>	</a:t>
+            </a:r>
+            <a:r>
+              <a:rPr lang="en-US" dirty="0" err="1" smtClean="0"/>
+              <a:t>Git</a:t>
+            </a:r>
+            <a:r>
+              <a:rPr lang="en-US" dirty="0" smtClean="0"/>
+              <a:t> </a:t>
+            </a:r>
+            <a:r>
+              <a:rPr lang="en-US" dirty="0"/>
+              <a:t>branch [branch name] </a:t>
+            </a:r>
+            <a:endParaRPr lang="en-US" dirty="0" smtClean="0"/>
+          </a:p>
+          <a:p>
+            <a:r>
+              <a:rPr lang="en-US" dirty="0" err="1" smtClean="0"/>
+              <a:t>Chuyển</a:t>
+            </a:r>
+            <a:r>
+              <a:rPr lang="en-US" dirty="0" smtClean="0"/>
+              <a:t> sang </a:t>
+            </a:r>
+            <a:r>
+              <a:rPr lang="en-US" dirty="0" err="1" smtClean="0"/>
+              <a:t>nhánh</a:t>
+            </a:r>
+            <a:r>
+              <a:rPr lang="en-US" dirty="0" smtClean="0"/>
+              <a:t> </a:t>
+            </a:r>
+            <a:r>
+              <a:rPr lang="en-US" dirty="0" err="1" smtClean="0"/>
+              <a:t>đã</a:t>
+            </a:r>
+            <a:r>
+              <a:rPr lang="en-US" dirty="0" smtClean="0"/>
+              <a:t> </a:t>
+            </a:r>
+            <a:r>
+              <a:rPr lang="en-US" dirty="0" err="1" smtClean="0"/>
+              <a:t>có</a:t>
+            </a:r>
+            <a:endParaRPr lang="en-US" dirty="0" smtClean="0"/>
+          </a:p>
+          <a:p>
+            <a:pPr marL="0" indent="0">
+              <a:buNone/>
+            </a:pPr>
+            <a:r>
+              <a:rPr lang="en-US" dirty="0" smtClean="0"/>
+              <a:t>	</a:t>
+            </a:r>
+            <a:r>
+              <a:rPr lang="en-US" dirty="0" err="1" smtClean="0"/>
+              <a:t>Git</a:t>
+            </a:r>
+            <a:r>
+              <a:rPr lang="en-US" dirty="0" smtClean="0"/>
+              <a:t> </a:t>
+            </a:r>
+            <a:r>
+              <a:rPr lang="en-US" dirty="0"/>
+              <a:t>checkout [branch name]</a:t>
+            </a:r>
+            <a:r>
+              <a:rPr lang="en-US" dirty="0"/>
+              <a:t> </a:t>
+            </a:r>
+            <a:endParaRPr lang="en-US" dirty="0" smtClean="0"/>
+          </a:p>
+          <a:p>
+            <a:r>
+              <a:rPr lang="en-US" dirty="0" err="1" smtClean="0"/>
+              <a:t>Xóa</a:t>
+            </a:r>
+            <a:r>
+              <a:rPr lang="en-US" dirty="0" smtClean="0"/>
+              <a:t> </a:t>
+            </a:r>
+            <a:r>
+              <a:rPr lang="en-US" dirty="0" err="1" smtClean="0"/>
+              <a:t>nhánh</a:t>
+            </a:r>
+            <a:r>
+              <a:rPr lang="en-US" dirty="0" smtClean="0"/>
+              <a:t>:</a:t>
+            </a:r>
+          </a:p>
+          <a:p>
+            <a:pPr marL="0" indent="0">
+              <a:buNone/>
+            </a:pPr>
+            <a:r>
+              <a:rPr lang="en-US" dirty="0"/>
+              <a:t>	</a:t>
+            </a:r>
+            <a:r>
+              <a:rPr lang="en-US" dirty="0" err="1"/>
+              <a:t>Git</a:t>
+            </a:r>
+            <a:r>
+              <a:rPr lang="en-US" dirty="0"/>
+              <a:t> branch -d [branch name] </a:t>
+            </a:r>
+            <a:endParaRPr lang="en-US" dirty="0" smtClean="0"/>
+          </a:p>
+          <a:p>
+            <a:r>
+              <a:rPr lang="en-US" dirty="0" err="1" smtClean="0"/>
+              <a:t>Tạo</a:t>
+            </a:r>
+            <a:r>
+              <a:rPr lang="en-US" dirty="0" smtClean="0"/>
+              <a:t> </a:t>
+            </a:r>
+            <a:r>
+              <a:rPr lang="en-US" dirty="0" err="1" smtClean="0"/>
+              <a:t>nhánh</a:t>
+            </a:r>
+            <a:r>
+              <a:rPr lang="en-US" dirty="0" smtClean="0"/>
+              <a:t> </a:t>
+            </a:r>
+            <a:r>
+              <a:rPr lang="en-US" dirty="0" err="1" smtClean="0"/>
+              <a:t>mới</a:t>
+            </a:r>
+            <a:r>
+              <a:rPr lang="en-US" dirty="0" smtClean="0"/>
+              <a:t> </a:t>
+            </a:r>
+            <a:r>
+              <a:rPr lang="en-US" dirty="0" err="1" smtClean="0"/>
+              <a:t>đồng</a:t>
+            </a:r>
+            <a:r>
+              <a:rPr lang="en-US" dirty="0" smtClean="0"/>
+              <a:t> </a:t>
+            </a:r>
+            <a:r>
+              <a:rPr lang="en-US" dirty="0" err="1" smtClean="0"/>
+              <a:t>thời</a:t>
+            </a:r>
+            <a:r>
+              <a:rPr lang="en-US" dirty="0" smtClean="0"/>
+              <a:t> </a:t>
+            </a:r>
+            <a:r>
+              <a:rPr lang="en-US" dirty="0" err="1" smtClean="0"/>
+              <a:t>chuyển</a:t>
+            </a:r>
+            <a:r>
+              <a:rPr lang="en-US" dirty="0" smtClean="0"/>
+              <a:t> </a:t>
+            </a:r>
+            <a:r>
+              <a:rPr lang="en-US" dirty="0" err="1" smtClean="0"/>
+              <a:t>nhánh</a:t>
+            </a:r>
+            <a:r>
+              <a:rPr lang="en-US" dirty="0" smtClean="0"/>
+              <a:t>:</a:t>
+            </a:r>
+          </a:p>
+          <a:p>
+            <a:pPr marL="0" indent="0">
+              <a:buNone/>
+            </a:pPr>
+            <a:r>
+              <a:rPr lang="en-US" dirty="0"/>
+              <a:t>	</a:t>
+            </a:r>
+            <a:r>
+              <a:rPr lang="en-US" dirty="0" err="1" smtClean="0"/>
+              <a:t>Git</a:t>
+            </a:r>
+            <a:r>
+              <a:rPr lang="en-US" dirty="0" smtClean="0"/>
+              <a:t> checkout –b [branch name]</a:t>
+            </a:r>
+          </a:p>
+          <a:p>
+            <a:pPr marL="0" indent="0">
+              <a:buNone/>
+            </a:pPr>
+            <a:endParaRPr lang="en-US" dirty="0"/>
+          </a:p>
+        </p:txBody>
+      </p:sp>
+    </p:spTree>
+    <p:extLst>
+      <p:ext uri="{BB962C8B-B14F-4D97-AF65-F5344CB8AC3E}">
+        <p14:creationId xmlns:p14="http://schemas.microsoft.com/office/powerpoint/2010/main" val="1959013805"/>
+      </p:ext>
+    </p:extLst>
+  </p:cSld>
+  <p:clrMapOvr>
+    <a:masterClrMapping/>
+  </p:clrMapOvr>
+</p:sld>
+</file>
+
+<file path=ppt/slides/slide12.xml><?xml version="1.0" encoding="utf-8"?>
+<p:sld xmlns:a="http://schemas.openxmlformats.org/drawingml/2006/main" xmlns:r="http://schemas.openxmlformats.org/officeDocument/2006/relationships" xmlns:p="http://schemas.openxmlformats.org/presentationml/2006/main">
+  <p:cSld>
+    <p:spTree>
+      <p:nvGrpSpPr>
+        <p:cNvPr id="1" name=""/>
+        <p:cNvGrpSpPr/>
+        <p:nvPr/>
+      </p:nvGrpSpPr>
+      <p:grpSpPr>
+        <a:xfrm>
+          <a:off x="0" y="0"/>
+          <a:ext cx="0" cy="0"/>
+          <a:chOff x="0" y="0"/>
+          <a:chExt cx="0" cy="0"/>
+        </a:xfrm>
+      </p:grpSpPr>
+      <p:sp>
+        <p:nvSpPr>
+          <p:cNvPr id="2" name="Title 1"/>
+          <p:cNvSpPr>
+            <a:spLocks noGrp="1"/>
+          </p:cNvSpPr>
+          <p:nvPr>
+            <p:ph type="title"/>
+          </p:nvPr>
+        </p:nvSpPr>
+        <p:spPr/>
+        <p:txBody>
+          <a:bodyPr/>
+          <a:lstStyle/>
+          <a:p>
+            <a:r>
+              <a:rPr lang="en-US" dirty="0" err="1" smtClean="0"/>
+              <a:t>Nhánh</a:t>
+            </a:r>
+            <a:r>
+              <a:rPr lang="en-US" dirty="0" smtClean="0"/>
+              <a:t> </a:t>
+            </a:r>
+            <a:r>
+              <a:rPr lang="en-US" dirty="0" err="1" smtClean="0"/>
+              <a:t>trong</a:t>
+            </a:r>
+            <a:r>
+              <a:rPr lang="en-US" dirty="0" smtClean="0"/>
+              <a:t> </a:t>
+            </a:r>
+            <a:r>
+              <a:rPr lang="en-US" dirty="0" err="1" smtClean="0"/>
+              <a:t>Git</a:t>
+            </a:r>
+            <a:endParaRPr lang="en-US" dirty="0"/>
+          </a:p>
+        </p:txBody>
+      </p:sp>
+      <p:sp>
+        <p:nvSpPr>
+          <p:cNvPr id="3" name="Content Placeholder 2"/>
+          <p:cNvSpPr>
+            <a:spLocks noGrp="1"/>
+          </p:cNvSpPr>
+          <p:nvPr>
+            <p:ph idx="1"/>
+          </p:nvPr>
+        </p:nvSpPr>
+        <p:spPr/>
+        <p:txBody>
+          <a:bodyPr/>
+          <a:lstStyle/>
+          <a:p>
+            <a:r>
+              <a:rPr lang="en-US" dirty="0" err="1" smtClean="0"/>
+              <a:t>Lưu</a:t>
+            </a:r>
+            <a:r>
+              <a:rPr lang="en-US" dirty="0" smtClean="0"/>
+              <a:t> </a:t>
+            </a:r>
+            <a:r>
+              <a:rPr lang="en-US" dirty="0" err="1" smtClean="0"/>
+              <a:t>trữ</a:t>
+            </a:r>
+            <a:r>
+              <a:rPr lang="en-US" dirty="0" smtClean="0"/>
+              <a:t> </a:t>
+            </a:r>
+            <a:r>
+              <a:rPr lang="en-US" dirty="0" err="1" smtClean="0"/>
+              <a:t>tạm</a:t>
+            </a:r>
+            <a:r>
+              <a:rPr lang="en-US" dirty="0" smtClean="0"/>
+              <a:t> </a:t>
+            </a:r>
+            <a:r>
+              <a:rPr lang="en-US" dirty="0" err="1" smtClean="0"/>
+              <a:t>thời</a:t>
+            </a:r>
+            <a:r>
+              <a:rPr lang="en-US" dirty="0" smtClean="0"/>
+              <a:t> </a:t>
+            </a:r>
+            <a:r>
+              <a:rPr lang="en-US" dirty="0" err="1" smtClean="0"/>
+              <a:t>trong</a:t>
+            </a:r>
+            <a:r>
+              <a:rPr lang="en-US" dirty="0" smtClean="0"/>
+              <a:t> </a:t>
+            </a:r>
+            <a:r>
+              <a:rPr lang="en-US" dirty="0" err="1" smtClean="0"/>
+              <a:t>Git</a:t>
+            </a:r>
+            <a:r>
+              <a:rPr lang="en-US" dirty="0" smtClean="0"/>
+              <a:t>:</a:t>
+            </a:r>
+          </a:p>
+          <a:p>
+            <a:pPr marL="0" indent="0">
+              <a:buNone/>
+            </a:pPr>
+            <a:r>
+              <a:rPr lang="en-US" dirty="0" smtClean="0"/>
+              <a:t>	</a:t>
+            </a:r>
+            <a:r>
+              <a:rPr lang="en-US" dirty="0" err="1" smtClean="0"/>
+              <a:t>Git</a:t>
+            </a:r>
+            <a:r>
+              <a:rPr lang="en-US" dirty="0" smtClean="0"/>
+              <a:t> stash</a:t>
+            </a:r>
+          </a:p>
+          <a:p>
+            <a:r>
+              <a:rPr lang="en-US" dirty="0" err="1" smtClean="0"/>
+              <a:t>Khôi</a:t>
+            </a:r>
+            <a:r>
+              <a:rPr lang="en-US" dirty="0" smtClean="0"/>
+              <a:t> </a:t>
+            </a:r>
+            <a:r>
+              <a:rPr lang="en-US" dirty="0" err="1" smtClean="0"/>
+              <a:t>phục</a:t>
+            </a:r>
+            <a:r>
+              <a:rPr lang="en-US" dirty="0" smtClean="0"/>
+              <a:t> </a:t>
+            </a:r>
+            <a:r>
+              <a:rPr lang="en-US" dirty="0" err="1" smtClean="0"/>
+              <a:t>dữ</a:t>
+            </a:r>
+            <a:r>
+              <a:rPr lang="en-US" dirty="0" smtClean="0"/>
+              <a:t> </a:t>
+            </a:r>
+            <a:r>
+              <a:rPr lang="en-US" dirty="0" err="1" smtClean="0"/>
+              <a:t>liệu</a:t>
+            </a:r>
+            <a:r>
+              <a:rPr lang="en-US" dirty="0" smtClean="0"/>
+              <a:t> </a:t>
+            </a:r>
+            <a:r>
+              <a:rPr lang="en-US" dirty="0" err="1" smtClean="0"/>
+              <a:t>được</a:t>
+            </a:r>
+            <a:r>
+              <a:rPr lang="en-US" dirty="0" smtClean="0"/>
+              <a:t> </a:t>
+            </a:r>
+            <a:r>
+              <a:rPr lang="en-US" dirty="0" err="1" smtClean="0"/>
+              <a:t>lưu</a:t>
+            </a:r>
+            <a:r>
+              <a:rPr lang="en-US" dirty="0" smtClean="0"/>
+              <a:t> </a:t>
+            </a:r>
+            <a:r>
+              <a:rPr lang="en-US" dirty="0" err="1" smtClean="0"/>
+              <a:t>tạm</a:t>
+            </a:r>
+            <a:r>
+              <a:rPr lang="en-US" dirty="0" smtClean="0"/>
+              <a:t> </a:t>
+            </a:r>
+            <a:r>
+              <a:rPr lang="en-US" dirty="0" err="1" smtClean="0"/>
+              <a:t>thời</a:t>
+            </a:r>
+            <a:endParaRPr lang="en-US" dirty="0" smtClean="0"/>
+          </a:p>
+          <a:p>
+            <a:pPr marL="0" indent="0">
+              <a:buNone/>
+            </a:pPr>
+            <a:r>
+              <a:rPr lang="en-US" dirty="0" smtClean="0"/>
+              <a:t>	</a:t>
+            </a:r>
+            <a:r>
+              <a:rPr lang="en-US" dirty="0" err="1" smtClean="0"/>
+              <a:t>Git</a:t>
+            </a:r>
+            <a:r>
+              <a:rPr lang="en-US" dirty="0" smtClean="0"/>
+              <a:t> stash apply</a:t>
+            </a:r>
+          </a:p>
+          <a:p>
+            <a:pPr marL="0" indent="0">
+              <a:buNone/>
+            </a:pPr>
+            <a:r>
+              <a:rPr lang="en-US" dirty="0" err="1" smtClean="0"/>
+              <a:t>Hoặc</a:t>
+            </a:r>
+            <a:r>
+              <a:rPr lang="en-US" dirty="0" smtClean="0"/>
+              <a:t>:</a:t>
+            </a:r>
+          </a:p>
+          <a:p>
+            <a:pPr marL="0" indent="0">
+              <a:buNone/>
+            </a:pPr>
+            <a:r>
+              <a:rPr lang="en-US" dirty="0" smtClean="0"/>
+              <a:t>	</a:t>
+            </a:r>
+            <a:r>
+              <a:rPr lang="en-US" dirty="0" err="1" smtClean="0"/>
+              <a:t>Git</a:t>
+            </a:r>
+            <a:r>
+              <a:rPr lang="en-US" dirty="0" smtClean="0"/>
+              <a:t> stash pop</a:t>
+            </a:r>
+            <a:endParaRPr lang="en-US" dirty="0"/>
+          </a:p>
+        </p:txBody>
+      </p:sp>
+    </p:spTree>
+    <p:extLst>
+      <p:ext uri="{BB962C8B-B14F-4D97-AF65-F5344CB8AC3E}">
+        <p14:creationId xmlns:p14="http://schemas.microsoft.com/office/powerpoint/2010/main" val="3009296432"/>
+      </p:ext>
+    </p:extLst>
+  </p:cSld>
+  <p:clrMapOvr>
+    <a:masterClrMapping/>
+  </p:clrMapOvr>
+</p:sld>
+</file>
+
+<file path=ppt/slides/slide13.xml><?xml version="1.0" encoding="utf-8"?>
+<p:sld xmlns:a="http://schemas.openxmlformats.org/drawingml/2006/main" xmlns:r="http://schemas.openxmlformats.org/officeDocument/2006/relationships" xmlns:p="http://schemas.openxmlformats.org/presentationml/2006/main">
+  <p:cSld>
+    <p:spTree>
+      <p:nvGrpSpPr>
+        <p:cNvPr id="1" name=""/>
+        <p:cNvGrpSpPr/>
+        <p:nvPr/>
+      </p:nvGrpSpPr>
+      <p:grpSpPr>
+        <a:xfrm>
+          <a:off x="0" y="0"/>
+          <a:ext cx="0" cy="0"/>
+          <a:chOff x="0" y="0"/>
+          <a:chExt cx="0" cy="0"/>
+        </a:xfrm>
+      </p:grpSpPr>
+      <p:sp>
+        <p:nvSpPr>
+          <p:cNvPr id="2" name="Title 1"/>
+          <p:cNvSpPr>
+            <a:spLocks noGrp="1"/>
+          </p:cNvSpPr>
+          <p:nvPr>
+            <p:ph type="title"/>
+          </p:nvPr>
+        </p:nvSpPr>
+        <p:spPr/>
+        <p:txBody>
+          <a:bodyPr>
+            <a:normAutofit fontScale="90000"/>
+          </a:bodyPr>
+          <a:lstStyle/>
+          <a:p>
+            <a:r>
+              <a:rPr lang="en-US" dirty="0" err="1" smtClean="0"/>
+              <a:t>Nhánh</a:t>
+            </a:r>
+            <a:r>
+              <a:rPr lang="en-US" dirty="0" smtClean="0"/>
+              <a:t> </a:t>
+            </a:r>
+            <a:r>
+              <a:rPr lang="en-US" dirty="0" err="1" smtClean="0"/>
+              <a:t>trong</a:t>
+            </a:r>
+            <a:r>
+              <a:rPr lang="en-US" dirty="0" smtClean="0"/>
+              <a:t> </a:t>
+            </a:r>
+            <a:r>
+              <a:rPr lang="en-US" dirty="0" err="1" smtClean="0"/>
+              <a:t>Git</a:t>
+            </a:r>
+            <a:r>
+              <a:rPr lang="en-US" dirty="0" smtClean="0"/>
+              <a:t/>
+            </a:r>
+            <a:br>
+              <a:rPr lang="en-US" dirty="0" smtClean="0"/>
+            </a:br>
+            <a:r>
+              <a:rPr lang="en-US" dirty="0" err="1" smtClean="0"/>
+              <a:t>Tích</a:t>
+            </a:r>
+            <a:r>
+              <a:rPr lang="en-US" dirty="0" smtClean="0"/>
+              <a:t> </a:t>
+            </a:r>
+            <a:r>
+              <a:rPr lang="en-US" dirty="0" err="1" smtClean="0"/>
+              <a:t>hợp</a:t>
+            </a:r>
+            <a:endParaRPr lang="en-US" dirty="0"/>
+          </a:p>
+        </p:txBody>
+      </p:sp>
+      <p:sp>
+        <p:nvSpPr>
+          <p:cNvPr id="3" name="Content Placeholder 2"/>
+          <p:cNvSpPr>
+            <a:spLocks noGrp="1"/>
+          </p:cNvSpPr>
+          <p:nvPr>
+            <p:ph idx="1"/>
+          </p:nvPr>
+        </p:nvSpPr>
+        <p:spPr/>
+        <p:txBody>
+          <a:bodyPr/>
+          <a:lstStyle/>
+          <a:p>
+            <a:r>
+              <a:rPr lang="en-US" dirty="0" smtClean="0"/>
+              <a:t>Merge:</a:t>
+            </a:r>
+          </a:p>
+          <a:p>
+            <a:pPr marL="0" indent="0">
+              <a:buNone/>
+            </a:pPr>
+            <a:r>
+              <a:rPr lang="en-US" dirty="0" smtClean="0"/>
+              <a:t>	</a:t>
+            </a:r>
+            <a:r>
+              <a:rPr lang="en-US" dirty="0" err="1" smtClean="0"/>
+              <a:t>Git</a:t>
+            </a:r>
+            <a:r>
+              <a:rPr lang="en-US" dirty="0" smtClean="0"/>
+              <a:t> </a:t>
+            </a:r>
+            <a:r>
+              <a:rPr lang="en-US" dirty="0"/>
+              <a:t>checkout [destination branch]</a:t>
+            </a:r>
+          </a:p>
+          <a:p>
+            <a:pPr marL="0" indent="0">
+              <a:buNone/>
+            </a:pPr>
+            <a:r>
+              <a:rPr lang="en-US" dirty="0"/>
+              <a:t>	</a:t>
+            </a:r>
+            <a:r>
+              <a:rPr lang="en-US" dirty="0" err="1" smtClean="0"/>
+              <a:t>Git</a:t>
+            </a:r>
+            <a:r>
+              <a:rPr lang="en-US" dirty="0" smtClean="0"/>
+              <a:t> </a:t>
+            </a:r>
+            <a:r>
+              <a:rPr lang="en-US" dirty="0"/>
+              <a:t>merge [source branch]</a:t>
+            </a:r>
+            <a:r>
+              <a:rPr lang="en-US" dirty="0"/>
+              <a:t> </a:t>
+            </a:r>
+            <a:endParaRPr lang="en-US" dirty="0" smtClean="0"/>
+          </a:p>
+          <a:p>
+            <a:pPr marL="0" indent="0">
+              <a:buNone/>
+            </a:pPr>
+            <a:r>
+              <a:rPr lang="en-US" dirty="0" err="1" smtClean="0"/>
+              <a:t>Hoặc</a:t>
+            </a:r>
+            <a:r>
+              <a:rPr lang="en-US" dirty="0" smtClean="0"/>
+              <a:t>:</a:t>
+            </a:r>
+          </a:p>
+          <a:p>
+            <a:pPr marL="0" indent="0">
+              <a:buNone/>
+            </a:pPr>
+            <a:r>
+              <a:rPr lang="en-US" dirty="0" smtClean="0"/>
+              <a:t>	</a:t>
+            </a:r>
+            <a:r>
+              <a:rPr lang="en-US" dirty="0" err="1" smtClean="0"/>
+              <a:t>Git</a:t>
+            </a:r>
+            <a:r>
+              <a:rPr lang="en-US" dirty="0" smtClean="0"/>
+              <a:t> </a:t>
+            </a:r>
+            <a:r>
+              <a:rPr lang="en-US" dirty="0"/>
+              <a:t>merge [destination branch] [source branch]</a:t>
+            </a:r>
+            <a:r>
+              <a:rPr lang="en-US" dirty="0"/>
+              <a:t> </a:t>
+            </a:r>
+          </a:p>
+        </p:txBody>
+      </p:sp>
+    </p:spTree>
+    <p:extLst>
+      <p:ext uri="{BB962C8B-B14F-4D97-AF65-F5344CB8AC3E}">
+        <p14:creationId xmlns:p14="http://schemas.microsoft.com/office/powerpoint/2010/main" val="133574485"/>
+      </p:ext>
+    </p:extLst>
+  </p:cSld>
+  <p:clrMapOvr>
+    <a:masterClrMapping/>
+  </p:clrMapOvr>
+</p:sld>
+</file>
+
+<file path=ppt/slides/slide14.xml><?xml version="1.0" encoding="utf-8"?>
+<p:sld xmlns:a="http://schemas.openxmlformats.org/drawingml/2006/main" xmlns:r="http://schemas.openxmlformats.org/officeDocument/2006/relationships" xmlns:p="http://schemas.openxmlformats.org/presentationml/2006/main">
+  <p:cSld>
+    <p:spTree>
+      <p:nvGrpSpPr>
+        <p:cNvPr id="1" name=""/>
+        <p:cNvGrpSpPr/>
+        <p:nvPr/>
+      </p:nvGrpSpPr>
+      <p:grpSpPr>
+        <a:xfrm>
+          <a:off x="0" y="0"/>
+          <a:ext cx="0" cy="0"/>
+          <a:chOff x="0" y="0"/>
+          <a:chExt cx="0" cy="0"/>
+        </a:xfrm>
+      </p:grpSpPr>
+      <p:sp>
+        <p:nvSpPr>
+          <p:cNvPr id="2" name="Title 1"/>
+          <p:cNvSpPr>
+            <a:spLocks noGrp="1"/>
+          </p:cNvSpPr>
+          <p:nvPr>
+            <p:ph type="title"/>
+          </p:nvPr>
+        </p:nvSpPr>
+        <p:spPr/>
+        <p:txBody>
+          <a:bodyPr>
+            <a:normAutofit fontScale="90000"/>
+          </a:bodyPr>
+          <a:lstStyle/>
+          <a:p>
+            <a:r>
+              <a:rPr lang="en-US" dirty="0" err="1" smtClean="0"/>
+              <a:t>Nhánh</a:t>
+            </a:r>
+            <a:r>
+              <a:rPr lang="en-US" dirty="0" smtClean="0"/>
+              <a:t> </a:t>
+            </a:r>
+            <a:r>
+              <a:rPr lang="en-US" dirty="0" err="1" smtClean="0"/>
+              <a:t>trong</a:t>
+            </a:r>
+            <a:r>
+              <a:rPr lang="en-US" dirty="0" smtClean="0"/>
+              <a:t> </a:t>
+            </a:r>
+            <a:r>
+              <a:rPr lang="en-US" dirty="0" err="1" smtClean="0"/>
+              <a:t>Git</a:t>
+            </a:r>
+            <a:r>
+              <a:rPr lang="en-US" dirty="0" smtClean="0"/>
+              <a:t/>
+            </a:r>
+            <a:br>
+              <a:rPr lang="en-US" dirty="0" smtClean="0"/>
+            </a:br>
+            <a:r>
+              <a:rPr lang="en-US" dirty="0" err="1" smtClean="0"/>
+              <a:t>Tích</a:t>
+            </a:r>
+            <a:r>
+              <a:rPr lang="en-US" dirty="0" smtClean="0"/>
+              <a:t> </a:t>
+            </a:r>
+            <a:r>
+              <a:rPr lang="en-US" dirty="0" err="1" smtClean="0"/>
+              <a:t>hợp</a:t>
+            </a:r>
+            <a:endParaRPr lang="en-US" dirty="0"/>
+          </a:p>
+        </p:txBody>
+      </p:sp>
+      <p:sp>
+        <p:nvSpPr>
+          <p:cNvPr id="3" name="Content Placeholder 2"/>
+          <p:cNvSpPr>
+            <a:spLocks noGrp="1"/>
+          </p:cNvSpPr>
+          <p:nvPr>
+            <p:ph idx="1"/>
+          </p:nvPr>
+        </p:nvSpPr>
+        <p:spPr/>
+        <p:txBody>
+          <a:bodyPr/>
+          <a:lstStyle/>
+          <a:p>
+            <a:r>
+              <a:rPr lang="en-US" dirty="0" err="1" smtClean="0"/>
+              <a:t>Cơ</a:t>
+            </a:r>
+            <a:r>
+              <a:rPr lang="en-US" dirty="0" smtClean="0"/>
+              <a:t> </a:t>
+            </a:r>
+            <a:r>
+              <a:rPr lang="en-US" dirty="0" err="1" smtClean="0"/>
+              <a:t>chế</a:t>
+            </a:r>
+            <a:r>
+              <a:rPr lang="en-US" dirty="0" smtClean="0"/>
+              <a:t> </a:t>
+            </a:r>
+            <a:r>
+              <a:rPr lang="en-US" dirty="0" err="1" smtClean="0"/>
+              <a:t>của</a:t>
+            </a:r>
+            <a:r>
+              <a:rPr lang="en-US" dirty="0" smtClean="0"/>
+              <a:t> merge</a:t>
+            </a:r>
+          </a:p>
+          <a:p>
+            <a:pPr marL="0" indent="0">
+              <a:buNone/>
+            </a:pPr>
+            <a:endParaRPr lang="en-US" dirty="0"/>
+          </a:p>
+        </p:txBody>
+      </p:sp>
+      <p:pic>
+        <p:nvPicPr>
+          <p:cNvPr id="4" name="Picture 3"/>
+          <p:cNvPicPr/>
+          <p:nvPr/>
+        </p:nvPicPr>
+        <p:blipFill>
+          <a:blip r:embed="rId2">
+            <a:extLst>
+              <a:ext uri="{28A0092B-C50C-407E-A947-70E740481C1C}">
+                <a14:useLocalDpi xmlns:a14="http://schemas.microsoft.com/office/drawing/2010/main" val="0"/>
+              </a:ext>
+            </a:extLst>
+          </a:blip>
+          <a:srcRect/>
+          <a:stretch>
+            <a:fillRect/>
+          </a:stretch>
+        </p:blipFill>
+        <p:spPr bwMode="auto">
+          <a:xfrm>
+            <a:off x="457200" y="2114549"/>
+            <a:ext cx="8229600" cy="4011614"/>
+          </a:xfrm>
+          <a:prstGeom prst="rect">
+            <a:avLst/>
+          </a:prstGeom>
+          <a:noFill/>
+          <a:ln>
+            <a:noFill/>
+          </a:ln>
+        </p:spPr>
+      </p:pic>
+      <p:sp>
+        <p:nvSpPr>
+          <p:cNvPr id="5" name="TextBox 4"/>
+          <p:cNvSpPr txBox="1"/>
+          <p:nvPr/>
+        </p:nvSpPr>
+        <p:spPr>
+          <a:xfrm>
+            <a:off x="2256113" y="6305178"/>
+            <a:ext cx="5005294" cy="523220"/>
+          </a:xfrm>
+          <a:prstGeom prst="rect">
+            <a:avLst/>
+          </a:prstGeom>
+          <a:noFill/>
+        </p:spPr>
+        <p:txBody>
+          <a:bodyPr wrap="square" rtlCol="0">
+            <a:spAutoFit/>
+          </a:bodyPr>
+          <a:lstStyle/>
+          <a:p>
+            <a:pPr algn="ctr"/>
+            <a:r>
+              <a:rPr lang="en-US" sz="2800" dirty="0" err="1" smtClean="0"/>
+              <a:t>Lịch</a:t>
+            </a:r>
+            <a:r>
+              <a:rPr lang="en-US" sz="2800" dirty="0" smtClean="0"/>
+              <a:t> </a:t>
+            </a:r>
+            <a:r>
+              <a:rPr lang="en-US" sz="2800" dirty="0" err="1" smtClean="0"/>
+              <a:t>sử</a:t>
+            </a:r>
+            <a:r>
+              <a:rPr lang="en-US" sz="2800" dirty="0" smtClean="0"/>
+              <a:t> </a:t>
+            </a:r>
+            <a:r>
+              <a:rPr lang="en-US" sz="2800" dirty="0" err="1" smtClean="0"/>
+              <a:t>nhánh</a:t>
+            </a:r>
+            <a:r>
+              <a:rPr lang="en-US" sz="2800" dirty="0" smtClean="0"/>
+              <a:t> </a:t>
+            </a:r>
+            <a:r>
+              <a:rPr lang="en-US" sz="2800" dirty="0" err="1" smtClean="0"/>
+              <a:t>trước</a:t>
+            </a:r>
+            <a:r>
+              <a:rPr lang="en-US" sz="2800" dirty="0" smtClean="0"/>
+              <a:t> </a:t>
+            </a:r>
+            <a:r>
+              <a:rPr lang="en-US" sz="2800" dirty="0" err="1" smtClean="0"/>
+              <a:t>khi</a:t>
+            </a:r>
+            <a:r>
+              <a:rPr lang="en-US" sz="2800" dirty="0" smtClean="0"/>
+              <a:t> </a:t>
+            </a:r>
+            <a:r>
+              <a:rPr lang="en-US" sz="2800" dirty="0" err="1" smtClean="0"/>
+              <a:t>tích</a:t>
+            </a:r>
+            <a:r>
+              <a:rPr lang="en-US" sz="2800" dirty="0" smtClean="0"/>
+              <a:t> </a:t>
+            </a:r>
+            <a:r>
+              <a:rPr lang="en-US" sz="2800" dirty="0" err="1" smtClean="0"/>
+              <a:t>hợp</a:t>
+            </a:r>
+            <a:endParaRPr lang="en-US" sz="2800" dirty="0"/>
+          </a:p>
+        </p:txBody>
+      </p:sp>
+    </p:spTree>
+    <p:extLst>
+      <p:ext uri="{BB962C8B-B14F-4D97-AF65-F5344CB8AC3E}">
+        <p14:creationId xmlns:p14="http://schemas.microsoft.com/office/powerpoint/2010/main" val="1604665811"/>
+      </p:ext>
+    </p:extLst>
+  </p:cSld>
+  <p:clrMapOvr>
+    <a:masterClrMapping/>
+  </p:clrMapOvr>
+</p:sld>
+</file>
+
+<file path=ppt/slides/slide15.xml><?xml version="1.0" encoding="utf-8"?>
+<p:sld xmlns:a="http://schemas.openxmlformats.org/drawingml/2006/main" xmlns:r="http://schemas.openxmlformats.org/officeDocument/2006/relationships" xmlns:p="http://schemas.openxmlformats.org/presentationml/2006/main">
+  <p:cSld>
+    <p:spTree>
+      <p:nvGrpSpPr>
+        <p:cNvPr id="1" name=""/>
+        <p:cNvGrpSpPr/>
+        <p:nvPr/>
+      </p:nvGrpSpPr>
+      <p:grpSpPr>
+        <a:xfrm>
+          <a:off x="0" y="0"/>
+          <a:ext cx="0" cy="0"/>
+          <a:chOff x="0" y="0"/>
+          <a:chExt cx="0" cy="0"/>
+        </a:xfrm>
+      </p:grpSpPr>
+      <p:sp>
+        <p:nvSpPr>
+          <p:cNvPr id="2" name="Title 1"/>
+          <p:cNvSpPr>
+            <a:spLocks noGrp="1"/>
+          </p:cNvSpPr>
+          <p:nvPr>
+            <p:ph type="title"/>
+          </p:nvPr>
+        </p:nvSpPr>
+        <p:spPr/>
+        <p:txBody>
+          <a:bodyPr>
+            <a:normAutofit fontScale="90000"/>
+          </a:bodyPr>
+          <a:lstStyle/>
+          <a:p>
+            <a:r>
+              <a:rPr lang="en-US" dirty="0" err="1"/>
+              <a:t>Nhánh</a:t>
+            </a:r>
+            <a:r>
+              <a:rPr lang="en-US" dirty="0"/>
+              <a:t> </a:t>
+            </a:r>
+            <a:r>
+              <a:rPr lang="en-US" dirty="0" err="1"/>
+              <a:t>trong</a:t>
+            </a:r>
+            <a:r>
+              <a:rPr lang="en-US" dirty="0"/>
+              <a:t> </a:t>
+            </a:r>
+            <a:r>
+              <a:rPr lang="en-US" dirty="0" err="1"/>
+              <a:t>Git</a:t>
+            </a:r>
+            <a:r>
+              <a:rPr lang="en-US" dirty="0"/>
+              <a:t/>
+            </a:r>
+            <a:br>
+              <a:rPr lang="en-US" dirty="0"/>
+            </a:br>
+            <a:r>
+              <a:rPr lang="en-US" dirty="0" err="1"/>
+              <a:t>Tích</a:t>
+            </a:r>
+            <a:r>
+              <a:rPr lang="en-US" dirty="0"/>
+              <a:t> </a:t>
+            </a:r>
+            <a:r>
+              <a:rPr lang="en-US" dirty="0" err="1"/>
+              <a:t>hợp</a:t>
+            </a:r>
+            <a:endParaRPr lang="en-US" dirty="0"/>
+          </a:p>
+        </p:txBody>
+      </p:sp>
+      <p:sp>
+        <p:nvSpPr>
+          <p:cNvPr id="3" name="Content Placeholder 2"/>
+          <p:cNvSpPr>
+            <a:spLocks noGrp="1"/>
+          </p:cNvSpPr>
+          <p:nvPr>
+            <p:ph idx="1"/>
+          </p:nvPr>
+        </p:nvSpPr>
+        <p:spPr/>
+        <p:txBody>
+          <a:bodyPr/>
+          <a:lstStyle/>
+          <a:p>
+            <a:r>
+              <a:rPr lang="en-US" dirty="0" err="1" smtClean="0"/>
+              <a:t>Cơ</a:t>
+            </a:r>
+            <a:r>
+              <a:rPr lang="en-US" dirty="0" smtClean="0"/>
+              <a:t> </a:t>
+            </a:r>
+            <a:r>
+              <a:rPr lang="en-US" dirty="0" err="1" smtClean="0"/>
+              <a:t>chế</a:t>
+            </a:r>
+            <a:r>
+              <a:rPr lang="en-US" dirty="0" smtClean="0"/>
+              <a:t> merge</a:t>
+            </a:r>
+          </a:p>
+          <a:p>
+            <a:pPr marL="0" indent="0">
+              <a:buNone/>
+            </a:pPr>
+            <a:endParaRPr lang="en-US" dirty="0"/>
+          </a:p>
+        </p:txBody>
+      </p:sp>
+      <p:pic>
+        <p:nvPicPr>
+          <p:cNvPr id="4" name="Picture 3"/>
+          <p:cNvPicPr/>
+          <p:nvPr/>
+        </p:nvPicPr>
+        <p:blipFill>
+          <a:blip r:embed="rId2">
+            <a:extLst>
+              <a:ext uri="{28A0092B-C50C-407E-A947-70E740481C1C}">
+                <a14:useLocalDpi xmlns:a14="http://schemas.microsoft.com/office/drawing/2010/main" val="0"/>
+              </a:ext>
+            </a:extLst>
+          </a:blip>
+          <a:srcRect/>
+          <a:stretch>
+            <a:fillRect/>
+          </a:stretch>
+        </p:blipFill>
+        <p:spPr bwMode="auto">
+          <a:xfrm>
+            <a:off x="881530" y="2330824"/>
+            <a:ext cx="7246470" cy="3615764"/>
+          </a:xfrm>
+          <a:prstGeom prst="rect">
+            <a:avLst/>
+          </a:prstGeom>
+          <a:noFill/>
+          <a:ln>
+            <a:noFill/>
+          </a:ln>
+        </p:spPr>
+      </p:pic>
+      <p:sp>
+        <p:nvSpPr>
+          <p:cNvPr id="5" name="TextBox 4"/>
+          <p:cNvSpPr txBox="1"/>
+          <p:nvPr/>
+        </p:nvSpPr>
+        <p:spPr>
+          <a:xfrm>
+            <a:off x="2256113" y="6305178"/>
+            <a:ext cx="5005294" cy="523220"/>
+          </a:xfrm>
+          <a:prstGeom prst="rect">
+            <a:avLst/>
+          </a:prstGeom>
+          <a:noFill/>
+        </p:spPr>
+        <p:txBody>
+          <a:bodyPr wrap="square" rtlCol="0">
+            <a:spAutoFit/>
+          </a:bodyPr>
+          <a:lstStyle/>
+          <a:p>
+            <a:pPr algn="ctr"/>
+            <a:r>
+              <a:rPr lang="en-US" sz="2800" dirty="0" err="1" smtClean="0"/>
+              <a:t>Quá</a:t>
+            </a:r>
+            <a:r>
+              <a:rPr lang="en-US" sz="2800" dirty="0" smtClean="0"/>
+              <a:t> </a:t>
+            </a:r>
+            <a:r>
+              <a:rPr lang="en-US" sz="2800" dirty="0" err="1" smtClean="0"/>
+              <a:t>trình</a:t>
+            </a:r>
+            <a:r>
+              <a:rPr lang="en-US" sz="2800" dirty="0" smtClean="0"/>
+              <a:t> </a:t>
+            </a:r>
+            <a:r>
+              <a:rPr lang="en-US" sz="2800" dirty="0" err="1" smtClean="0"/>
+              <a:t>tích</a:t>
+            </a:r>
+            <a:r>
+              <a:rPr lang="en-US" sz="2800" dirty="0" smtClean="0"/>
+              <a:t> </a:t>
+            </a:r>
+            <a:r>
+              <a:rPr lang="en-US" sz="2800" dirty="0" err="1" smtClean="0"/>
+              <a:t>hợp</a:t>
+            </a:r>
+            <a:endParaRPr lang="en-US" sz="2800" dirty="0"/>
+          </a:p>
+        </p:txBody>
+      </p:sp>
+    </p:spTree>
+    <p:extLst>
+      <p:ext uri="{BB962C8B-B14F-4D97-AF65-F5344CB8AC3E}">
+        <p14:creationId xmlns:p14="http://schemas.microsoft.com/office/powerpoint/2010/main" val="2583811682"/>
+      </p:ext>
+    </p:extLst>
+  </p:cSld>
+  <p:clrMapOvr>
+    <a:masterClrMapping/>
+  </p:clrMapOvr>
+</p:sld>
+</file>
+
+<file path=ppt/slides/slide16.xml><?xml version="1.0" encoding="utf-8"?>
+<p:sld xmlns:a="http://schemas.openxmlformats.org/drawingml/2006/main" xmlns:r="http://schemas.openxmlformats.org/officeDocument/2006/relationships" xmlns:p="http://schemas.openxmlformats.org/presentationml/2006/main">
+  <p:cSld>
+    <p:spTree>
+      <p:nvGrpSpPr>
+        <p:cNvPr id="1" name=""/>
+        <p:cNvGrpSpPr/>
+        <p:nvPr/>
+      </p:nvGrpSpPr>
+      <p:grpSpPr>
+        <a:xfrm>
+          <a:off x="0" y="0"/>
+          <a:ext cx="0" cy="0"/>
+          <a:chOff x="0" y="0"/>
+          <a:chExt cx="0" cy="0"/>
+        </a:xfrm>
+      </p:grpSpPr>
+      <p:sp>
+        <p:nvSpPr>
+          <p:cNvPr id="2" name="Title 1"/>
+          <p:cNvSpPr>
+            <a:spLocks noGrp="1"/>
+          </p:cNvSpPr>
+          <p:nvPr>
+            <p:ph type="title"/>
+          </p:nvPr>
+        </p:nvSpPr>
+        <p:spPr/>
+        <p:txBody>
+          <a:bodyPr>
+            <a:normAutofit fontScale="90000"/>
+          </a:bodyPr>
+          <a:lstStyle/>
+          <a:p>
+            <a:r>
+              <a:rPr lang="en-US" dirty="0" err="1"/>
+              <a:t>Nhánh</a:t>
+            </a:r>
+            <a:r>
+              <a:rPr lang="en-US" dirty="0"/>
+              <a:t> </a:t>
+            </a:r>
+            <a:r>
+              <a:rPr lang="en-US" dirty="0" err="1"/>
+              <a:t>trong</a:t>
+            </a:r>
+            <a:r>
+              <a:rPr lang="en-US" dirty="0"/>
+              <a:t> </a:t>
+            </a:r>
+            <a:r>
+              <a:rPr lang="en-US" dirty="0" err="1"/>
+              <a:t>Git</a:t>
+            </a:r>
+            <a:r>
+              <a:rPr lang="en-US" dirty="0"/>
+              <a:t/>
+            </a:r>
+            <a:br>
+              <a:rPr lang="en-US" dirty="0"/>
+            </a:br>
+            <a:r>
+              <a:rPr lang="en-US" dirty="0" err="1"/>
+              <a:t>Tích</a:t>
+            </a:r>
+            <a:r>
+              <a:rPr lang="en-US" dirty="0"/>
+              <a:t> </a:t>
+            </a:r>
+            <a:r>
+              <a:rPr lang="en-US" dirty="0" err="1"/>
+              <a:t>hợp</a:t>
+            </a:r>
+            <a:endParaRPr lang="en-US" dirty="0"/>
+          </a:p>
+        </p:txBody>
+      </p:sp>
+      <p:sp>
+        <p:nvSpPr>
+          <p:cNvPr id="3" name="Content Placeholder 2"/>
+          <p:cNvSpPr>
+            <a:spLocks noGrp="1"/>
+          </p:cNvSpPr>
+          <p:nvPr>
+            <p:ph idx="1"/>
+          </p:nvPr>
+        </p:nvSpPr>
+        <p:spPr/>
+        <p:txBody>
+          <a:bodyPr/>
+          <a:lstStyle/>
+          <a:p>
+            <a:r>
+              <a:rPr lang="en-US" dirty="0" err="1" smtClean="0"/>
+              <a:t>Kết</a:t>
+            </a:r>
+            <a:r>
+              <a:rPr lang="en-US" dirty="0" smtClean="0"/>
+              <a:t> </a:t>
+            </a:r>
+            <a:r>
+              <a:rPr lang="en-US" dirty="0" err="1" smtClean="0"/>
+              <a:t>quả</a:t>
+            </a:r>
+            <a:r>
+              <a:rPr lang="en-US" dirty="0" smtClean="0"/>
+              <a:t> merge:</a:t>
+            </a:r>
+          </a:p>
+          <a:p>
+            <a:pPr marL="0" indent="0">
+              <a:buNone/>
+            </a:pPr>
+            <a:endParaRPr lang="en-US" dirty="0"/>
+          </a:p>
+        </p:txBody>
+      </p:sp>
+      <p:pic>
+        <p:nvPicPr>
+          <p:cNvPr id="4" name="Picture 3"/>
+          <p:cNvPicPr/>
+          <p:nvPr/>
+        </p:nvPicPr>
+        <p:blipFill>
+          <a:blip r:embed="rId2">
+            <a:extLst>
+              <a:ext uri="{28A0092B-C50C-407E-A947-70E740481C1C}">
+                <a14:useLocalDpi xmlns:a14="http://schemas.microsoft.com/office/drawing/2010/main" val="0"/>
+              </a:ext>
+            </a:extLst>
+          </a:blip>
+          <a:srcRect/>
+          <a:stretch>
+            <a:fillRect/>
+          </a:stretch>
+        </p:blipFill>
+        <p:spPr bwMode="auto">
+          <a:xfrm>
+            <a:off x="821765" y="2315527"/>
+            <a:ext cx="7425764" cy="3690826"/>
+          </a:xfrm>
+          <a:prstGeom prst="rect">
+            <a:avLst/>
+          </a:prstGeom>
+          <a:noFill/>
+          <a:ln>
+            <a:noFill/>
+          </a:ln>
+        </p:spPr>
+      </p:pic>
+    </p:spTree>
+    <p:extLst>
+      <p:ext uri="{BB962C8B-B14F-4D97-AF65-F5344CB8AC3E}">
+        <p14:creationId xmlns:p14="http://schemas.microsoft.com/office/powerpoint/2010/main" val="3486232439"/>
+      </p:ext>
+    </p:extLst>
+  </p:cSld>
+  <p:clrMapOvr>
+    <a:masterClrMapping/>
+  </p:clrMapOvr>
+</p:sld>
+</file>
+
+<file path=ppt/slides/slide17.xml><?xml version="1.0" encoding="utf-8"?>
+<p:sld xmlns:a="http://schemas.openxmlformats.org/drawingml/2006/main" xmlns:r="http://schemas.openxmlformats.org/officeDocument/2006/relationships" xmlns:p="http://schemas.openxmlformats.org/presentationml/2006/main">
+  <p:cSld>
+    <p:spTree>
+      <p:nvGrpSpPr>
+        <p:cNvPr id="1" name=""/>
+        <p:cNvGrpSpPr/>
+        <p:nvPr/>
+      </p:nvGrpSpPr>
+      <p:grpSpPr>
+        <a:xfrm>
+          <a:off x="0" y="0"/>
+          <a:ext cx="0" cy="0"/>
+          <a:chOff x="0" y="0"/>
+          <a:chExt cx="0" cy="0"/>
+        </a:xfrm>
+      </p:grpSpPr>
+      <p:sp>
+        <p:nvSpPr>
+          <p:cNvPr id="2" name="Title 1"/>
+          <p:cNvSpPr>
+            <a:spLocks noGrp="1"/>
+          </p:cNvSpPr>
+          <p:nvPr>
+            <p:ph type="title"/>
+          </p:nvPr>
+        </p:nvSpPr>
+        <p:spPr/>
+        <p:txBody>
+          <a:bodyPr>
+            <a:normAutofit fontScale="90000"/>
+          </a:bodyPr>
+          <a:lstStyle/>
+          <a:p>
+            <a:r>
+              <a:rPr lang="en-US" dirty="0" err="1"/>
+              <a:t>Nhánh</a:t>
+            </a:r>
+            <a:r>
+              <a:rPr lang="en-US" dirty="0"/>
+              <a:t> </a:t>
+            </a:r>
+            <a:r>
+              <a:rPr lang="en-US" dirty="0" err="1"/>
+              <a:t>trong</a:t>
+            </a:r>
+            <a:r>
+              <a:rPr lang="en-US" dirty="0"/>
+              <a:t> </a:t>
+            </a:r>
+            <a:r>
+              <a:rPr lang="en-US" dirty="0" err="1"/>
+              <a:t>Git</a:t>
+            </a:r>
+            <a:r>
+              <a:rPr lang="en-US" dirty="0"/>
+              <a:t/>
+            </a:r>
+            <a:br>
+              <a:rPr lang="en-US" dirty="0"/>
+            </a:br>
+            <a:r>
+              <a:rPr lang="en-US" dirty="0" err="1"/>
+              <a:t>Tích</a:t>
+            </a:r>
+            <a:r>
+              <a:rPr lang="en-US" dirty="0"/>
+              <a:t> </a:t>
+            </a:r>
+            <a:r>
+              <a:rPr lang="en-US" dirty="0" err="1"/>
+              <a:t>hợp</a:t>
+            </a:r>
+            <a:endParaRPr lang="en-US" dirty="0"/>
+          </a:p>
+        </p:txBody>
+      </p:sp>
+      <p:sp>
+        <p:nvSpPr>
+          <p:cNvPr id="3" name="Content Placeholder 2"/>
+          <p:cNvSpPr>
+            <a:spLocks noGrp="1"/>
+          </p:cNvSpPr>
+          <p:nvPr>
+            <p:ph idx="1"/>
+          </p:nvPr>
+        </p:nvSpPr>
+        <p:spPr/>
+        <p:txBody>
+          <a:bodyPr/>
+          <a:lstStyle/>
+          <a:p>
+            <a:r>
+              <a:rPr lang="en-US" dirty="0" smtClean="0"/>
+              <a:t>Rebase:</a:t>
+            </a:r>
+          </a:p>
+          <a:p>
+            <a:pPr marL="0" indent="0">
+              <a:buNone/>
+            </a:pPr>
+            <a:r>
+              <a:rPr lang="en-US" dirty="0" smtClean="0"/>
+              <a:t>	</a:t>
+            </a:r>
+            <a:r>
+              <a:rPr lang="en-US" dirty="0" err="1" smtClean="0"/>
+              <a:t>Git</a:t>
+            </a:r>
+            <a:r>
+              <a:rPr lang="en-US" dirty="0" smtClean="0"/>
+              <a:t> </a:t>
+            </a:r>
+            <a:r>
+              <a:rPr lang="en-US" dirty="0"/>
+              <a:t>checkout [source branch</a:t>
+            </a:r>
+            <a:r>
+              <a:rPr lang="en-US" dirty="0" smtClean="0"/>
+              <a:t>]</a:t>
+            </a:r>
+          </a:p>
+          <a:p>
+            <a:pPr marL="0" indent="0">
+              <a:buNone/>
+            </a:pPr>
+            <a:r>
+              <a:rPr lang="en-US" dirty="0"/>
+              <a:t>	</a:t>
+            </a:r>
+            <a:r>
+              <a:rPr lang="en-US" dirty="0" err="1" smtClean="0"/>
+              <a:t>Git</a:t>
+            </a:r>
+            <a:r>
+              <a:rPr lang="en-US" dirty="0" smtClean="0"/>
+              <a:t> </a:t>
+            </a:r>
+            <a:r>
+              <a:rPr lang="en-US" dirty="0"/>
+              <a:t>rebase [destination branch]</a:t>
+            </a:r>
+            <a:r>
+              <a:rPr lang="en-US" dirty="0"/>
+              <a:t> </a:t>
+            </a:r>
+          </a:p>
+        </p:txBody>
+      </p:sp>
+    </p:spTree>
+    <p:extLst>
+      <p:ext uri="{BB962C8B-B14F-4D97-AF65-F5344CB8AC3E}">
+        <p14:creationId xmlns:p14="http://schemas.microsoft.com/office/powerpoint/2010/main" val="516005712"/>
+      </p:ext>
+    </p:extLst>
+  </p:cSld>
+  <p:clrMapOvr>
+    <a:masterClrMapping/>
+  </p:clrMapOvr>
+  <p:timing>
+    <p:tnLst>
+      <p:par>
+        <p:cTn xmlns:p14="http://schemas.microsoft.com/office/powerpoint/2010/main" id="1" dur="indefinite" restart="never" nodeType="tmRoot"/>
+      </p:par>
+    </p:tnLst>
+  </p:timing>
+</p:sld>
+</file>
+
+<file path=ppt/slides/slide18.xml><?xml version="1.0" encoding="utf-8"?>
+<p:sld xmlns:a="http://schemas.openxmlformats.org/drawingml/2006/main" xmlns:r="http://schemas.openxmlformats.org/officeDocument/2006/relationships" xmlns:p="http://schemas.openxmlformats.org/presentationml/2006/main">
+  <p:cSld>
+    <p:spTree>
+      <p:nvGrpSpPr>
+        <p:cNvPr id="1" name=""/>
+        <p:cNvGrpSpPr/>
+        <p:nvPr/>
+      </p:nvGrpSpPr>
+      <p:grpSpPr>
+        <a:xfrm>
+          <a:off x="0" y="0"/>
+          <a:ext cx="0" cy="0"/>
+          <a:chOff x="0" y="0"/>
+          <a:chExt cx="0" cy="0"/>
+        </a:xfrm>
+      </p:grpSpPr>
+      <p:sp>
+        <p:nvSpPr>
+          <p:cNvPr id="2" name="Title 1"/>
+          <p:cNvSpPr>
+            <a:spLocks noGrp="1"/>
+          </p:cNvSpPr>
+          <p:nvPr>
+            <p:ph type="title"/>
+          </p:nvPr>
+        </p:nvSpPr>
+        <p:spPr/>
+        <p:txBody>
+          <a:bodyPr>
+            <a:normAutofit fontScale="90000"/>
+          </a:bodyPr>
+          <a:lstStyle/>
+          <a:p>
+            <a:r>
+              <a:rPr lang="en-US" dirty="0" err="1"/>
+              <a:t>Nhánh</a:t>
+            </a:r>
+            <a:r>
+              <a:rPr lang="en-US" dirty="0"/>
+              <a:t> </a:t>
+            </a:r>
+            <a:r>
+              <a:rPr lang="en-US" dirty="0" err="1"/>
+              <a:t>trong</a:t>
+            </a:r>
+            <a:r>
+              <a:rPr lang="en-US" dirty="0"/>
+              <a:t> </a:t>
+            </a:r>
+            <a:r>
+              <a:rPr lang="en-US" dirty="0" err="1"/>
+              <a:t>Git</a:t>
+            </a:r>
+            <a:r>
+              <a:rPr lang="en-US" dirty="0"/>
+              <a:t/>
+            </a:r>
+            <a:br>
+              <a:rPr lang="en-US" dirty="0"/>
+            </a:br>
+            <a:r>
+              <a:rPr lang="en-US" dirty="0" err="1"/>
+              <a:t>Tích</a:t>
+            </a:r>
+            <a:r>
+              <a:rPr lang="en-US" dirty="0"/>
+              <a:t> </a:t>
+            </a:r>
+            <a:r>
+              <a:rPr lang="en-US" dirty="0" err="1"/>
+              <a:t>hợp</a:t>
+            </a:r>
+            <a:endParaRPr lang="en-US" dirty="0"/>
+          </a:p>
+        </p:txBody>
+      </p:sp>
+      <p:sp>
+        <p:nvSpPr>
+          <p:cNvPr id="3" name="Content Placeholder 2"/>
+          <p:cNvSpPr>
+            <a:spLocks noGrp="1"/>
+          </p:cNvSpPr>
+          <p:nvPr>
+            <p:ph idx="1"/>
+          </p:nvPr>
+        </p:nvSpPr>
+        <p:spPr/>
+        <p:txBody>
+          <a:bodyPr/>
+          <a:lstStyle/>
+          <a:p>
+            <a:r>
+              <a:rPr lang="en-US" dirty="0" err="1" smtClean="0"/>
+              <a:t>Cơ</a:t>
+            </a:r>
+            <a:r>
+              <a:rPr lang="en-US" dirty="0" smtClean="0"/>
+              <a:t> </a:t>
+            </a:r>
+            <a:r>
+              <a:rPr lang="en-US" dirty="0" err="1" smtClean="0"/>
+              <a:t>chế</a:t>
+            </a:r>
+            <a:r>
+              <a:rPr lang="en-US" dirty="0" smtClean="0"/>
+              <a:t> rebase</a:t>
+            </a:r>
+          </a:p>
+          <a:p>
+            <a:pPr marL="0" indent="0">
+              <a:buNone/>
+            </a:pPr>
+            <a:endParaRPr lang="en-US" dirty="0"/>
+          </a:p>
+        </p:txBody>
+      </p:sp>
+    </p:spTree>
+    <p:extLst>
+      <p:ext uri="{BB962C8B-B14F-4D97-AF65-F5344CB8AC3E}">
+        <p14:creationId xmlns:p14="http://schemas.microsoft.com/office/powerpoint/2010/main" val="2222300422"/>
+      </p:ext>
+    </p:extLst>
+  </p:cSld>
+  <p:clrMapOvr>
+    <a:masterClrMapping/>
+  </p:clrMapOvr>
+  <p:timing>
+    <p:tnLst>
+      <p:par>
+        <p:cTn xmlns:p14="http://schemas.microsoft.com/office/powerpoint/2010/main" id="1" dur="indefinite" restart="never" nodeType="tmRoot"/>
+      </p:par>
+    </p:tnLst>
+  </p:timing>
+</p:sld>
+</file>
+
+<file path=ppt/slides/slide19.xml><?xml version="1.0" encoding="utf-8"?>
+<p:sld xmlns:a="http://schemas.openxmlformats.org/drawingml/2006/main" xmlns:r="http://schemas.openxmlformats.org/officeDocument/2006/relationships" xmlns:p="http://schemas.openxmlformats.org/presentationml/2006/main">
+  <p:cSld>
+    <p:spTree>
+      <p:nvGrpSpPr>
+        <p:cNvPr id="1" name=""/>
+        <p:cNvGrpSpPr/>
+        <p:nvPr/>
+      </p:nvGrpSpPr>
+      <p:grpSpPr>
+        <a:xfrm>
+          <a:off x="0" y="0"/>
+          <a:ext cx="0" cy="0"/>
+          <a:chOff x="0" y="0"/>
+          <a:chExt cx="0" cy="0"/>
+        </a:xfrm>
+      </p:grpSpPr>
+      <p:pic>
+        <p:nvPicPr>
+          <p:cNvPr id="4" name="Picture 3"/>
+          <p:cNvPicPr>
+            <a:picLocks noChangeAspect="1"/>
+          </p:cNvPicPr>
+          <p:nvPr/>
+        </p:nvPicPr>
+        <p:blipFill>
+          <a:blip r:embed="rId2"/>
+          <a:stretch>
+            <a:fillRect/>
+          </a:stretch>
+        </p:blipFill>
+        <p:spPr>
+          <a:xfrm>
+            <a:off x="627529" y="104588"/>
+            <a:ext cx="7395883" cy="6753412"/>
+          </a:xfrm>
+          <a:prstGeom prst="rect">
+            <a:avLst/>
+          </a:prstGeom>
+        </p:spPr>
+      </p:pic>
+    </p:spTree>
+    <p:extLst>
+      <p:ext uri="{BB962C8B-B14F-4D97-AF65-F5344CB8AC3E}">
+        <p14:creationId xmlns:p14="http://schemas.microsoft.com/office/powerpoint/2010/main" val="1801545338"/>
       </p:ext>
     </p:extLst>
   </p:cSld>
@@ -3586,8 +5564,8 @@
         </p:blipFill>
         <p:spPr bwMode="auto">
           <a:xfrm>
-            <a:off x="1090707" y="3428999"/>
-            <a:ext cx="6155764" cy="2532530"/>
+            <a:off x="1090706" y="3428999"/>
+            <a:ext cx="7186705" cy="2980766"/>
           </a:xfrm>
           <a:prstGeom prst="rect">
             <a:avLst/>
@@ -3602,6 +5580,1267 @@
     <p:extLst>
       <p:ext uri="{BB962C8B-B14F-4D97-AF65-F5344CB8AC3E}">
         <p14:creationId xmlns:p14="http://schemas.microsoft.com/office/powerpoint/2010/main" val="3774492404"/>
+      </p:ext>
+    </p:extLst>
+  </p:cSld>
+  <p:clrMapOvr>
+    <a:masterClrMapping/>
+  </p:clrMapOvr>
+  <p:timing>
+    <p:tnLst>
+      <p:par>
+        <p:cTn xmlns:p14="http://schemas.microsoft.com/office/powerpoint/2010/main" id="1" dur="indefinite" restart="never" nodeType="tmRoot"/>
+      </p:par>
+    </p:tnLst>
+  </p:timing>
+</p:sld>
+</file>
+
+<file path=ppt/slides/slide20.xml><?xml version="1.0" encoding="utf-8"?>
+<p:sld xmlns:a="http://schemas.openxmlformats.org/drawingml/2006/main" xmlns:r="http://schemas.openxmlformats.org/officeDocument/2006/relationships" xmlns:p="http://schemas.openxmlformats.org/presentationml/2006/main">
+  <p:cSld>
+    <p:spTree>
+      <p:nvGrpSpPr>
+        <p:cNvPr id="1" name=""/>
+        <p:cNvGrpSpPr/>
+        <p:nvPr/>
+      </p:nvGrpSpPr>
+      <p:grpSpPr>
+        <a:xfrm>
+          <a:off x="0" y="0"/>
+          <a:ext cx="0" cy="0"/>
+          <a:chOff x="0" y="0"/>
+          <a:chExt cx="0" cy="0"/>
+        </a:xfrm>
+      </p:grpSpPr>
+      <p:sp>
+        <p:nvSpPr>
+          <p:cNvPr id="2" name="Title 1"/>
+          <p:cNvSpPr>
+            <a:spLocks noGrp="1"/>
+          </p:cNvSpPr>
+          <p:nvPr>
+            <p:ph type="title"/>
+          </p:nvPr>
+        </p:nvSpPr>
+        <p:spPr/>
+        <p:txBody>
+          <a:bodyPr/>
+          <a:lstStyle/>
+          <a:p>
+            <a:r>
+              <a:rPr lang="en-US" dirty="0" err="1" smtClean="0"/>
+              <a:t>Submodules</a:t>
+            </a:r>
+            <a:endParaRPr lang="en-US" dirty="0"/>
+          </a:p>
+        </p:txBody>
+      </p:sp>
+      <p:sp>
+        <p:nvSpPr>
+          <p:cNvPr id="3" name="Content Placeholder 2"/>
+          <p:cNvSpPr>
+            <a:spLocks noGrp="1"/>
+          </p:cNvSpPr>
+          <p:nvPr>
+            <p:ph idx="1"/>
+          </p:nvPr>
+        </p:nvSpPr>
+        <p:spPr/>
+        <p:txBody>
+          <a:bodyPr>
+            <a:normAutofit/>
+          </a:bodyPr>
+          <a:lstStyle/>
+          <a:p>
+            <a:r>
+              <a:rPr lang="en-US" dirty="0" err="1"/>
+              <a:t>Submodules</a:t>
+            </a:r>
+            <a:r>
+              <a:rPr lang="en-US" dirty="0"/>
+              <a:t> </a:t>
+            </a:r>
+            <a:r>
+              <a:rPr lang="en-US" dirty="0" err="1"/>
+              <a:t>được</a:t>
+            </a:r>
+            <a:r>
+              <a:rPr lang="en-US" dirty="0"/>
+              <a:t> </a:t>
+            </a:r>
+            <a:r>
+              <a:rPr lang="en-US" dirty="0" err="1"/>
+              <a:t>sử</a:t>
+            </a:r>
+            <a:r>
+              <a:rPr lang="en-US" dirty="0"/>
+              <a:t> </a:t>
+            </a:r>
+            <a:r>
+              <a:rPr lang="en-US" dirty="0" err="1"/>
+              <a:t>dụng</a:t>
+            </a:r>
+            <a:r>
+              <a:rPr lang="en-US" dirty="0"/>
+              <a:t> </a:t>
+            </a:r>
+            <a:r>
+              <a:rPr lang="en-US" dirty="0" err="1"/>
+              <a:t>khi</a:t>
+            </a:r>
+            <a:r>
+              <a:rPr lang="en-US" dirty="0"/>
+              <a:t> </a:t>
+            </a:r>
+            <a:r>
+              <a:rPr lang="en-US" dirty="0" err="1"/>
+              <a:t>cần</a:t>
+            </a:r>
+            <a:r>
+              <a:rPr lang="en-US" dirty="0"/>
+              <a:t> </a:t>
+            </a:r>
+            <a:r>
+              <a:rPr lang="en-US" dirty="0" err="1"/>
+              <a:t>sử</a:t>
+            </a:r>
+            <a:r>
+              <a:rPr lang="en-US" dirty="0"/>
+              <a:t> </a:t>
+            </a:r>
+            <a:r>
+              <a:rPr lang="en-US" dirty="0" err="1"/>
+              <a:t>dụng</a:t>
+            </a:r>
+            <a:r>
+              <a:rPr lang="en-US" dirty="0"/>
+              <a:t> </a:t>
+            </a:r>
+            <a:r>
+              <a:rPr lang="en-US" dirty="0" err="1"/>
+              <a:t>một</a:t>
+            </a:r>
+            <a:r>
+              <a:rPr lang="en-US" dirty="0"/>
+              <a:t> </a:t>
+            </a:r>
+            <a:r>
+              <a:rPr lang="en-US" dirty="0" err="1"/>
+              <a:t>dự</a:t>
+            </a:r>
+            <a:r>
+              <a:rPr lang="en-US" dirty="0"/>
+              <a:t> </a:t>
+            </a:r>
+            <a:r>
+              <a:rPr lang="en-US" dirty="0" err="1"/>
+              <a:t>án</a:t>
+            </a:r>
+            <a:r>
+              <a:rPr lang="en-US" dirty="0"/>
+              <a:t> </a:t>
+            </a:r>
+            <a:r>
+              <a:rPr lang="en-US" dirty="0" err="1"/>
+              <a:t>khác</a:t>
+            </a:r>
+            <a:r>
+              <a:rPr lang="en-US" dirty="0"/>
+              <a:t> </a:t>
+            </a:r>
+            <a:r>
+              <a:rPr lang="en-US" dirty="0" err="1"/>
+              <a:t>trong</a:t>
+            </a:r>
+            <a:r>
+              <a:rPr lang="en-US" dirty="0"/>
+              <a:t> </a:t>
+            </a:r>
+            <a:r>
+              <a:rPr lang="en-US" dirty="0" err="1"/>
+              <a:t>dự</a:t>
+            </a:r>
+            <a:r>
+              <a:rPr lang="en-US" dirty="0"/>
+              <a:t> </a:t>
+            </a:r>
+            <a:r>
+              <a:rPr lang="en-US" dirty="0" err="1"/>
+              <a:t>án</a:t>
+            </a:r>
+            <a:r>
+              <a:rPr lang="en-US" dirty="0"/>
+              <a:t> </a:t>
+            </a:r>
+            <a:r>
+              <a:rPr lang="en-US" dirty="0" err="1"/>
+              <a:t>đang</a:t>
+            </a:r>
+            <a:r>
+              <a:rPr lang="en-US" dirty="0"/>
+              <a:t> </a:t>
+            </a:r>
+            <a:r>
+              <a:rPr lang="en-US" dirty="0" err="1"/>
+              <a:t>làm</a:t>
+            </a:r>
+            <a:r>
+              <a:rPr lang="en-US" dirty="0"/>
+              <a:t> </a:t>
+            </a:r>
+            <a:r>
+              <a:rPr lang="en-US" dirty="0" err="1"/>
+              <a:t>việc</a:t>
+            </a:r>
+            <a:r>
+              <a:rPr lang="en-US" dirty="0"/>
+              <a:t>.</a:t>
+            </a:r>
+            <a:r>
+              <a:rPr lang="en-US" dirty="0"/>
+              <a:t> </a:t>
+            </a:r>
+            <a:endParaRPr lang="en-US" dirty="0" smtClean="0"/>
+          </a:p>
+          <a:p>
+            <a:r>
+              <a:rPr lang="en-US" dirty="0" err="1" smtClean="0"/>
+              <a:t>Thêm</a:t>
+            </a:r>
+            <a:r>
+              <a:rPr lang="en-US" dirty="0" smtClean="0"/>
+              <a:t> 1 </a:t>
+            </a:r>
+            <a:r>
+              <a:rPr lang="en-US" dirty="0" err="1" smtClean="0"/>
+              <a:t>submodule</a:t>
+            </a:r>
+            <a:r>
+              <a:rPr lang="en-US" dirty="0" smtClean="0"/>
+              <a:t>:</a:t>
+            </a:r>
+          </a:p>
+          <a:p>
+            <a:r>
+              <a:rPr lang="en-US" dirty="0" err="1"/>
+              <a:t>Git</a:t>
+            </a:r>
+            <a:r>
+              <a:rPr lang="en-US" dirty="0"/>
+              <a:t> </a:t>
+            </a:r>
+            <a:r>
+              <a:rPr lang="en-US" dirty="0" err="1"/>
+              <a:t>submodule</a:t>
+            </a:r>
+            <a:r>
+              <a:rPr lang="en-US" dirty="0"/>
+              <a:t> add [</a:t>
+            </a:r>
+            <a:r>
+              <a:rPr lang="en-US" dirty="0" err="1"/>
+              <a:t>url</a:t>
+            </a:r>
+            <a:r>
+              <a:rPr lang="en-US" dirty="0"/>
+              <a:t>]</a:t>
+            </a:r>
+            <a:r>
+              <a:rPr lang="en-US" dirty="0"/>
+              <a:t> </a:t>
+            </a:r>
+            <a:endParaRPr lang="en-US" dirty="0" smtClean="0"/>
+          </a:p>
+          <a:p>
+            <a:endParaRPr lang="en-US" dirty="0"/>
+          </a:p>
+        </p:txBody>
+      </p:sp>
+    </p:spTree>
+    <p:extLst>
+      <p:ext uri="{BB962C8B-B14F-4D97-AF65-F5344CB8AC3E}">
+        <p14:creationId xmlns:p14="http://schemas.microsoft.com/office/powerpoint/2010/main" val="2493366357"/>
+      </p:ext>
+    </p:extLst>
+  </p:cSld>
+  <p:clrMapOvr>
+    <a:masterClrMapping/>
+  </p:clrMapOvr>
+</p:sld>
+</file>
+
+<file path=ppt/slides/slide21.xml><?xml version="1.0" encoding="utf-8"?>
+<p:sld xmlns:a="http://schemas.openxmlformats.org/drawingml/2006/main" xmlns:r="http://schemas.openxmlformats.org/officeDocument/2006/relationships" xmlns:p="http://schemas.openxmlformats.org/presentationml/2006/main">
+  <p:cSld>
+    <p:spTree>
+      <p:nvGrpSpPr>
+        <p:cNvPr id="1" name=""/>
+        <p:cNvGrpSpPr/>
+        <p:nvPr/>
+      </p:nvGrpSpPr>
+      <p:grpSpPr>
+        <a:xfrm>
+          <a:off x="0" y="0"/>
+          <a:ext cx="0" cy="0"/>
+          <a:chOff x="0" y="0"/>
+          <a:chExt cx="0" cy="0"/>
+        </a:xfrm>
+      </p:grpSpPr>
+      <p:sp>
+        <p:nvSpPr>
+          <p:cNvPr id="2" name="Title 1"/>
+          <p:cNvSpPr>
+            <a:spLocks noGrp="1"/>
+          </p:cNvSpPr>
+          <p:nvPr>
+            <p:ph type="title"/>
+          </p:nvPr>
+        </p:nvSpPr>
+        <p:spPr/>
+        <p:txBody>
+          <a:bodyPr/>
+          <a:lstStyle/>
+          <a:p>
+            <a:r>
+              <a:rPr lang="en-US" dirty="0" err="1" smtClean="0"/>
+              <a:t>Submodules</a:t>
+            </a:r>
+            <a:endParaRPr lang="en-US" dirty="0"/>
+          </a:p>
+        </p:txBody>
+      </p:sp>
+      <p:sp>
+        <p:nvSpPr>
+          <p:cNvPr id="3" name="Content Placeholder 2"/>
+          <p:cNvSpPr>
+            <a:spLocks noGrp="1"/>
+          </p:cNvSpPr>
+          <p:nvPr>
+            <p:ph idx="1"/>
+          </p:nvPr>
+        </p:nvSpPr>
+        <p:spPr/>
+        <p:txBody>
+          <a:bodyPr/>
+          <a:lstStyle/>
+          <a:p>
+            <a:r>
+              <a:rPr lang="en-US" dirty="0"/>
+              <a:t>Sao </a:t>
+            </a:r>
+            <a:r>
+              <a:rPr lang="en-US" dirty="0" err="1"/>
+              <a:t>chép</a:t>
+            </a:r>
+            <a:r>
+              <a:rPr lang="en-US" dirty="0"/>
+              <a:t> </a:t>
+            </a:r>
+            <a:r>
+              <a:rPr lang="en-US" dirty="0" err="1"/>
+              <a:t>một</a:t>
+            </a:r>
+            <a:r>
+              <a:rPr lang="en-US" dirty="0"/>
+              <a:t> </a:t>
+            </a:r>
+            <a:r>
+              <a:rPr lang="en-US" dirty="0" err="1"/>
+              <a:t>dự</a:t>
+            </a:r>
+            <a:r>
+              <a:rPr lang="en-US" dirty="0"/>
+              <a:t> </a:t>
+            </a:r>
+            <a:r>
+              <a:rPr lang="en-US" dirty="0" err="1"/>
+              <a:t>án</a:t>
+            </a:r>
+            <a:r>
+              <a:rPr lang="en-US" dirty="0"/>
+              <a:t> </a:t>
+            </a:r>
+            <a:r>
+              <a:rPr lang="en-US" dirty="0" err="1"/>
+              <a:t>đã</a:t>
+            </a:r>
+            <a:r>
+              <a:rPr lang="en-US" dirty="0"/>
+              <a:t> </a:t>
+            </a:r>
+            <a:r>
+              <a:rPr lang="en-US" dirty="0" err="1"/>
+              <a:t>có</a:t>
+            </a:r>
+            <a:r>
+              <a:rPr lang="en-US" dirty="0"/>
+              <a:t> </a:t>
+            </a:r>
+            <a:r>
+              <a:rPr lang="en-US" dirty="0" err="1"/>
+              <a:t>Submodules</a:t>
+            </a:r>
+            <a:r>
+              <a:rPr lang="en-US" dirty="0"/>
+              <a:t>:</a:t>
+            </a:r>
+          </a:p>
+          <a:p>
+            <a:pPr lvl="1"/>
+            <a:r>
+              <a:rPr lang="en-US" dirty="0"/>
+              <a:t>Sao </a:t>
+            </a:r>
+            <a:r>
+              <a:rPr lang="en-US" dirty="0" err="1"/>
+              <a:t>chép</a:t>
+            </a:r>
+            <a:r>
+              <a:rPr lang="en-US" dirty="0"/>
+              <a:t> </a:t>
+            </a:r>
+            <a:r>
+              <a:rPr lang="en-US" dirty="0" err="1"/>
+              <a:t>dự</a:t>
+            </a:r>
+            <a:r>
+              <a:rPr lang="en-US" dirty="0"/>
+              <a:t> </a:t>
+            </a:r>
+            <a:r>
+              <a:rPr lang="en-US" dirty="0" err="1"/>
+              <a:t>án</a:t>
+            </a:r>
+            <a:r>
+              <a:rPr lang="en-US" dirty="0"/>
+              <a:t> </a:t>
+            </a:r>
+            <a:r>
+              <a:rPr lang="en-US" dirty="0" err="1"/>
+              <a:t>sử</a:t>
+            </a:r>
+            <a:r>
+              <a:rPr lang="en-US" dirty="0"/>
+              <a:t> </a:t>
+            </a:r>
+            <a:r>
+              <a:rPr lang="en-US" dirty="0" err="1"/>
+              <a:t>dụng</a:t>
+            </a:r>
+            <a:r>
+              <a:rPr lang="en-US" dirty="0"/>
+              <a:t> </a:t>
+            </a:r>
+            <a:r>
+              <a:rPr lang="en-US" dirty="0" err="1"/>
+              <a:t>lệnh</a:t>
+            </a:r>
+            <a:r>
+              <a:rPr lang="en-US" dirty="0"/>
+              <a:t> </a:t>
+            </a:r>
+            <a:r>
+              <a:rPr lang="en-US" dirty="0" err="1"/>
+              <a:t>git</a:t>
+            </a:r>
+            <a:r>
+              <a:rPr lang="en-US" dirty="0"/>
+              <a:t> clone</a:t>
+            </a:r>
+          </a:p>
+          <a:p>
+            <a:pPr lvl="1"/>
+            <a:r>
+              <a:rPr lang="en-US" dirty="0" err="1"/>
+              <a:t>Truy</a:t>
+            </a:r>
+            <a:r>
+              <a:rPr lang="en-US" dirty="0"/>
+              <a:t> </a:t>
+            </a:r>
+            <a:r>
+              <a:rPr lang="en-US" dirty="0" err="1"/>
+              <a:t>cập</a:t>
+            </a:r>
+            <a:r>
+              <a:rPr lang="en-US" dirty="0"/>
+              <a:t> </a:t>
+            </a:r>
+            <a:r>
+              <a:rPr lang="en-US" dirty="0" err="1"/>
+              <a:t>vào</a:t>
+            </a:r>
+            <a:r>
+              <a:rPr lang="en-US" dirty="0"/>
+              <a:t> </a:t>
+            </a:r>
+            <a:r>
+              <a:rPr lang="en-US" dirty="0" err="1"/>
+              <a:t>thư</a:t>
+            </a:r>
+            <a:r>
+              <a:rPr lang="en-US" dirty="0"/>
+              <a:t> </a:t>
+            </a:r>
+            <a:r>
+              <a:rPr lang="en-US" dirty="0" err="1"/>
+              <a:t>mục</a:t>
+            </a:r>
+            <a:r>
+              <a:rPr lang="en-US" dirty="0"/>
+              <a:t> </a:t>
+            </a:r>
+            <a:r>
+              <a:rPr lang="en-US" dirty="0" err="1"/>
+              <a:t>submodule</a:t>
+            </a:r>
+            <a:r>
+              <a:rPr lang="en-US" dirty="0"/>
+              <a:t> </a:t>
+            </a:r>
+            <a:r>
+              <a:rPr lang="en-US" dirty="0" err="1"/>
+              <a:t>của</a:t>
+            </a:r>
+            <a:r>
+              <a:rPr lang="en-US" dirty="0"/>
+              <a:t> </a:t>
+            </a:r>
+            <a:r>
+              <a:rPr lang="en-US" dirty="0" err="1"/>
+              <a:t>dự</a:t>
+            </a:r>
+            <a:r>
+              <a:rPr lang="en-US" dirty="0"/>
+              <a:t> </a:t>
+            </a:r>
+            <a:r>
+              <a:rPr lang="en-US" dirty="0" err="1"/>
+              <a:t>án</a:t>
+            </a:r>
+            <a:r>
+              <a:rPr lang="en-US" dirty="0"/>
+              <a:t>.</a:t>
+            </a:r>
+          </a:p>
+          <a:p>
+            <a:pPr lvl="1"/>
+            <a:r>
+              <a:rPr lang="en-US" dirty="0" err="1"/>
+              <a:t>Khởi</a:t>
+            </a:r>
+            <a:r>
+              <a:rPr lang="en-US" dirty="0"/>
+              <a:t> </a:t>
+            </a:r>
+            <a:r>
+              <a:rPr lang="en-US" dirty="0" err="1"/>
+              <a:t>tạo</a:t>
+            </a:r>
+            <a:r>
+              <a:rPr lang="en-US" dirty="0"/>
+              <a:t> </a:t>
+            </a:r>
+            <a:r>
+              <a:rPr lang="en-US" dirty="0" err="1"/>
+              <a:t>tập</a:t>
+            </a:r>
+            <a:r>
+              <a:rPr lang="en-US" dirty="0"/>
+              <a:t> tin </a:t>
+            </a:r>
+            <a:r>
+              <a:rPr lang="en-US" dirty="0" err="1"/>
+              <a:t>cấu</a:t>
+            </a:r>
+            <a:r>
+              <a:rPr lang="en-US" dirty="0"/>
+              <a:t> </a:t>
+            </a:r>
+            <a:r>
+              <a:rPr lang="en-US" dirty="0" err="1"/>
+              <a:t>hình</a:t>
+            </a:r>
+            <a:r>
+              <a:rPr lang="en-US" dirty="0"/>
+              <a:t> </a:t>
+            </a:r>
+            <a:r>
+              <a:rPr lang="en-US" dirty="0" err="1"/>
+              <a:t>submodule</a:t>
+            </a:r>
+            <a:r>
+              <a:rPr lang="en-US" dirty="0"/>
+              <a:t> </a:t>
+            </a:r>
+            <a:r>
+              <a:rPr lang="en-US" dirty="0" err="1"/>
+              <a:t>sử</a:t>
+            </a:r>
+            <a:r>
+              <a:rPr lang="en-US" dirty="0"/>
+              <a:t> </a:t>
+            </a:r>
+            <a:r>
+              <a:rPr lang="en-US" dirty="0" err="1"/>
+              <a:t>dụng</a:t>
+            </a:r>
+            <a:r>
+              <a:rPr lang="en-US" dirty="0"/>
+              <a:t> </a:t>
+            </a:r>
+            <a:r>
+              <a:rPr lang="en-US" dirty="0" err="1"/>
+              <a:t>lệnh</a:t>
+            </a:r>
+            <a:r>
+              <a:rPr lang="en-US" dirty="0"/>
+              <a:t> “</a:t>
+            </a:r>
+            <a:r>
+              <a:rPr lang="en-US" dirty="0" err="1"/>
+              <a:t>git</a:t>
+            </a:r>
+            <a:r>
+              <a:rPr lang="en-US" dirty="0"/>
+              <a:t> </a:t>
+            </a:r>
+            <a:r>
+              <a:rPr lang="en-US" dirty="0" err="1"/>
+              <a:t>submodule</a:t>
+            </a:r>
+            <a:r>
+              <a:rPr lang="en-US" dirty="0"/>
+              <a:t> </a:t>
+            </a:r>
+            <a:r>
+              <a:rPr lang="en-US" dirty="0" err="1"/>
+              <a:t>init</a:t>
+            </a:r>
+            <a:r>
+              <a:rPr lang="en-US" dirty="0"/>
+              <a:t>”</a:t>
+            </a:r>
+          </a:p>
+          <a:p>
+            <a:pPr lvl="1"/>
+            <a:r>
+              <a:rPr lang="en-US" dirty="0" err="1"/>
+              <a:t>Lấy</a:t>
+            </a:r>
+            <a:r>
+              <a:rPr lang="en-US" dirty="0"/>
+              <a:t> </a:t>
+            </a:r>
+            <a:r>
+              <a:rPr lang="en-US" dirty="0" err="1"/>
+              <a:t>toàn</a:t>
+            </a:r>
+            <a:r>
+              <a:rPr lang="en-US" dirty="0"/>
+              <a:t> </a:t>
+            </a:r>
+            <a:r>
+              <a:rPr lang="en-US" dirty="0" err="1"/>
+              <a:t>bộ</a:t>
+            </a:r>
+            <a:r>
+              <a:rPr lang="en-US" dirty="0"/>
+              <a:t> </a:t>
+            </a:r>
+            <a:r>
+              <a:rPr lang="en-US" dirty="0" err="1"/>
+              <a:t>dữ</a:t>
+            </a:r>
+            <a:r>
+              <a:rPr lang="en-US" dirty="0"/>
+              <a:t> </a:t>
+            </a:r>
+            <a:r>
+              <a:rPr lang="en-US" dirty="0" err="1"/>
+              <a:t>liệu</a:t>
+            </a:r>
+            <a:r>
+              <a:rPr lang="en-US" dirty="0"/>
+              <a:t> </a:t>
+            </a:r>
+            <a:r>
+              <a:rPr lang="en-US" dirty="0" err="1"/>
+              <a:t>của</a:t>
+            </a:r>
+            <a:r>
+              <a:rPr lang="en-US" dirty="0"/>
+              <a:t> </a:t>
+            </a:r>
+            <a:r>
+              <a:rPr lang="en-US" dirty="0" err="1"/>
+              <a:t>submodule</a:t>
+            </a:r>
+            <a:r>
+              <a:rPr lang="en-US" dirty="0"/>
+              <a:t> </a:t>
+            </a:r>
+            <a:r>
+              <a:rPr lang="en-US" dirty="0" err="1"/>
+              <a:t>về</a:t>
+            </a:r>
+            <a:r>
+              <a:rPr lang="en-US" dirty="0"/>
+              <a:t> </a:t>
+            </a:r>
+            <a:r>
+              <a:rPr lang="en-US" dirty="0" err="1"/>
+              <a:t>sử</a:t>
+            </a:r>
+            <a:r>
+              <a:rPr lang="en-US" dirty="0"/>
+              <a:t> </a:t>
+            </a:r>
+            <a:r>
+              <a:rPr lang="en-US" dirty="0" err="1"/>
+              <a:t>dụng</a:t>
+            </a:r>
+            <a:r>
+              <a:rPr lang="en-US" dirty="0"/>
+              <a:t> </a:t>
+            </a:r>
+            <a:r>
+              <a:rPr lang="en-US" dirty="0" err="1"/>
+              <a:t>lệnh</a:t>
+            </a:r>
+            <a:r>
+              <a:rPr lang="en-US" dirty="0"/>
+              <a:t> “</a:t>
+            </a:r>
+            <a:r>
+              <a:rPr lang="en-US" dirty="0" err="1"/>
+              <a:t>git</a:t>
+            </a:r>
+            <a:r>
+              <a:rPr lang="en-US" dirty="0"/>
+              <a:t> </a:t>
+            </a:r>
+            <a:r>
+              <a:rPr lang="en-US" dirty="0" err="1"/>
+              <a:t>submodule</a:t>
+            </a:r>
+            <a:r>
+              <a:rPr lang="en-US" dirty="0"/>
+              <a:t> update” </a:t>
+            </a:r>
+          </a:p>
+        </p:txBody>
+      </p:sp>
+    </p:spTree>
+    <p:extLst>
+      <p:ext uri="{BB962C8B-B14F-4D97-AF65-F5344CB8AC3E}">
+        <p14:creationId xmlns:p14="http://schemas.microsoft.com/office/powerpoint/2010/main" val="552787369"/>
+      </p:ext>
+    </p:extLst>
+  </p:cSld>
+  <p:clrMapOvr>
+    <a:masterClrMapping/>
+  </p:clrMapOvr>
+</p:sld>
+</file>
+
+<file path=ppt/slides/slide22.xml><?xml version="1.0" encoding="utf-8"?>
+<p:sld xmlns:a="http://schemas.openxmlformats.org/drawingml/2006/main" xmlns:r="http://schemas.openxmlformats.org/officeDocument/2006/relationships" xmlns:p="http://schemas.openxmlformats.org/presentationml/2006/main">
+  <p:cSld>
+    <p:spTree>
+      <p:nvGrpSpPr>
+        <p:cNvPr id="1" name=""/>
+        <p:cNvGrpSpPr/>
+        <p:nvPr/>
+      </p:nvGrpSpPr>
+      <p:grpSpPr>
+        <a:xfrm>
+          <a:off x="0" y="0"/>
+          <a:ext cx="0" cy="0"/>
+          <a:chOff x="0" y="0"/>
+          <a:chExt cx="0" cy="0"/>
+        </a:xfrm>
+      </p:grpSpPr>
+      <p:sp>
+        <p:nvSpPr>
+          <p:cNvPr id="2" name="Title 1"/>
+          <p:cNvSpPr>
+            <a:spLocks noGrp="1"/>
+          </p:cNvSpPr>
+          <p:nvPr>
+            <p:ph type="title"/>
+          </p:nvPr>
+        </p:nvSpPr>
+        <p:spPr/>
+        <p:txBody>
+          <a:bodyPr/>
+          <a:lstStyle/>
+          <a:p>
+            <a:r>
+              <a:rPr lang="en-US" dirty="0" err="1" smtClean="0"/>
+              <a:t>Tổng</a:t>
+            </a:r>
+            <a:r>
+              <a:rPr lang="en-US" dirty="0" smtClean="0"/>
+              <a:t> </a:t>
+            </a:r>
+            <a:r>
+              <a:rPr lang="en-US" dirty="0" err="1" smtClean="0"/>
+              <a:t>kết</a:t>
+            </a:r>
+            <a:endParaRPr lang="en-US" dirty="0"/>
+          </a:p>
+        </p:txBody>
+      </p:sp>
+      <p:sp>
+        <p:nvSpPr>
+          <p:cNvPr id="3" name="Content Placeholder 2"/>
+          <p:cNvSpPr>
+            <a:spLocks noGrp="1"/>
+          </p:cNvSpPr>
+          <p:nvPr>
+            <p:ph idx="1"/>
+          </p:nvPr>
+        </p:nvSpPr>
+        <p:spPr/>
+        <p:txBody>
+          <a:bodyPr/>
+          <a:lstStyle/>
+          <a:p>
+            <a:pPr marL="0" indent="0">
+              <a:buNone/>
+            </a:pPr>
+            <a:r>
+              <a:rPr lang="en-US" dirty="0" err="1" smtClean="0"/>
+              <a:t>Các</a:t>
+            </a:r>
+            <a:r>
+              <a:rPr lang="en-US" dirty="0" smtClean="0"/>
+              <a:t> </a:t>
+            </a:r>
+            <a:r>
+              <a:rPr lang="en-US" dirty="0" err="1" smtClean="0"/>
+              <a:t>ích</a:t>
+            </a:r>
+            <a:r>
+              <a:rPr lang="en-US" dirty="0" smtClean="0"/>
+              <a:t> </a:t>
+            </a:r>
+            <a:r>
+              <a:rPr lang="en-US" dirty="0" err="1" smtClean="0"/>
+              <a:t>lợi</a:t>
+            </a:r>
+            <a:r>
+              <a:rPr lang="en-US" dirty="0" smtClean="0"/>
+              <a:t> </a:t>
+            </a:r>
+            <a:r>
+              <a:rPr lang="en-US" dirty="0" err="1" smtClean="0"/>
+              <a:t>khi</a:t>
+            </a:r>
+            <a:r>
+              <a:rPr lang="en-US" dirty="0" smtClean="0"/>
+              <a:t> </a:t>
+            </a:r>
+            <a:r>
+              <a:rPr lang="en-US" dirty="0" err="1" smtClean="0"/>
+              <a:t>sử</a:t>
+            </a:r>
+            <a:r>
+              <a:rPr lang="en-US" dirty="0" smtClean="0"/>
+              <a:t> </a:t>
+            </a:r>
+            <a:r>
+              <a:rPr lang="en-US" dirty="0" err="1" smtClean="0"/>
+              <a:t>dụng</a:t>
+            </a:r>
+            <a:r>
+              <a:rPr lang="en-US" dirty="0" smtClean="0"/>
+              <a:t> </a:t>
+            </a:r>
+            <a:r>
+              <a:rPr lang="en-US" dirty="0" err="1" smtClean="0"/>
+              <a:t>Git</a:t>
+            </a:r>
+            <a:r>
+              <a:rPr lang="en-US" dirty="0" smtClean="0"/>
+              <a:t>:</a:t>
+            </a:r>
+          </a:p>
+          <a:p>
+            <a:pPr>
+              <a:buFontTx/>
+              <a:buChar char="-"/>
+            </a:pPr>
+            <a:r>
+              <a:rPr lang="en-US" dirty="0" err="1" smtClean="0"/>
+              <a:t>Vẫn</a:t>
+            </a:r>
+            <a:r>
+              <a:rPr lang="en-US" dirty="0" smtClean="0"/>
+              <a:t> </a:t>
+            </a:r>
+            <a:r>
+              <a:rPr lang="en-US" dirty="0" err="1" smtClean="0"/>
+              <a:t>có</a:t>
+            </a:r>
+            <a:r>
+              <a:rPr lang="en-US" dirty="0" smtClean="0"/>
+              <a:t> </a:t>
+            </a:r>
+            <a:r>
+              <a:rPr lang="en-US" dirty="0" err="1" smtClean="0"/>
+              <a:t>thể</a:t>
+            </a:r>
+            <a:r>
+              <a:rPr lang="en-US" dirty="0" smtClean="0"/>
+              <a:t> </a:t>
+            </a:r>
+            <a:r>
+              <a:rPr lang="en-US" dirty="0" err="1" smtClean="0"/>
+              <a:t>làm</a:t>
+            </a:r>
+            <a:r>
+              <a:rPr lang="en-US" dirty="0" smtClean="0"/>
+              <a:t> </a:t>
+            </a:r>
+            <a:r>
+              <a:rPr lang="en-US" dirty="0" err="1" smtClean="0"/>
+              <a:t>việc</a:t>
+            </a:r>
+            <a:r>
+              <a:rPr lang="en-US" dirty="0" smtClean="0"/>
+              <a:t>, commit </a:t>
+            </a:r>
+            <a:r>
+              <a:rPr lang="en-US" dirty="0" err="1" smtClean="0"/>
+              <a:t>khi</a:t>
+            </a:r>
+            <a:r>
+              <a:rPr lang="en-US" dirty="0" smtClean="0"/>
+              <a:t> </a:t>
+            </a:r>
+            <a:r>
+              <a:rPr lang="en-US" dirty="0" err="1" smtClean="0"/>
+              <a:t>không</a:t>
+            </a:r>
+            <a:r>
+              <a:rPr lang="en-US" dirty="0" smtClean="0"/>
+              <a:t> </a:t>
+            </a:r>
+            <a:r>
+              <a:rPr lang="en-US" dirty="0" err="1" smtClean="0"/>
+              <a:t>kết</a:t>
+            </a:r>
+            <a:r>
+              <a:rPr lang="en-US" dirty="0" smtClean="0"/>
+              <a:t> </a:t>
+            </a:r>
+            <a:r>
+              <a:rPr lang="en-US" dirty="0" err="1" smtClean="0"/>
+              <a:t>nối</a:t>
+            </a:r>
+            <a:r>
+              <a:rPr lang="en-US" dirty="0" smtClean="0"/>
+              <a:t> internet.</a:t>
+            </a:r>
+          </a:p>
+          <a:p>
+            <a:pPr>
+              <a:buFontTx/>
+              <a:buChar char="-"/>
+            </a:pPr>
+            <a:r>
+              <a:rPr lang="en-US" dirty="0" err="1" smtClean="0"/>
+              <a:t>Thời</a:t>
+            </a:r>
+            <a:r>
+              <a:rPr lang="en-US" dirty="0" smtClean="0"/>
+              <a:t> </a:t>
+            </a:r>
+            <a:r>
+              <a:rPr lang="en-US" dirty="0" err="1" smtClean="0"/>
+              <a:t>gian</a:t>
+            </a:r>
+            <a:r>
+              <a:rPr lang="en-US" dirty="0" smtClean="0"/>
+              <a:t> </a:t>
+            </a:r>
+            <a:r>
+              <a:rPr lang="en-US" dirty="0" err="1" smtClean="0"/>
+              <a:t>trễ</a:t>
+            </a:r>
+            <a:r>
+              <a:rPr lang="en-US" dirty="0" smtClean="0"/>
+              <a:t> </a:t>
+            </a:r>
+            <a:r>
+              <a:rPr lang="en-US" dirty="0" err="1" smtClean="0"/>
+              <a:t>thấp</a:t>
+            </a:r>
+            <a:r>
+              <a:rPr lang="en-US" dirty="0" smtClean="0"/>
+              <a:t> do </a:t>
+            </a:r>
+            <a:r>
+              <a:rPr lang="en-US" dirty="0" err="1" smtClean="0"/>
+              <a:t>hầu</a:t>
+            </a:r>
+            <a:r>
+              <a:rPr lang="en-US" dirty="0" smtClean="0"/>
+              <a:t> </a:t>
+            </a:r>
+            <a:r>
+              <a:rPr lang="en-US" dirty="0" err="1" smtClean="0"/>
+              <a:t>hết</a:t>
+            </a:r>
+            <a:r>
+              <a:rPr lang="en-US" dirty="0" smtClean="0"/>
+              <a:t> </a:t>
+            </a:r>
+            <a:r>
+              <a:rPr lang="en-US" dirty="0" err="1" smtClean="0"/>
+              <a:t>dữ</a:t>
+            </a:r>
+            <a:r>
+              <a:rPr lang="en-US" dirty="0" smtClean="0"/>
+              <a:t> </a:t>
+            </a:r>
+            <a:r>
+              <a:rPr lang="en-US" dirty="0" err="1" smtClean="0"/>
+              <a:t>liệu</a:t>
+            </a:r>
+            <a:r>
+              <a:rPr lang="en-US" dirty="0" smtClean="0"/>
+              <a:t> </a:t>
+            </a:r>
+            <a:r>
+              <a:rPr lang="en-US" dirty="0" err="1" smtClean="0"/>
+              <a:t>đều</a:t>
+            </a:r>
+            <a:r>
+              <a:rPr lang="en-US" dirty="0" smtClean="0"/>
+              <a:t> </a:t>
+            </a:r>
+            <a:r>
+              <a:rPr lang="en-US" dirty="0" err="1" smtClean="0"/>
+              <a:t>được</a:t>
+            </a:r>
+            <a:r>
+              <a:rPr lang="en-US" dirty="0" smtClean="0"/>
+              <a:t> </a:t>
+            </a:r>
+            <a:r>
+              <a:rPr lang="en-US" dirty="0" err="1" smtClean="0"/>
+              <a:t>sao</a:t>
+            </a:r>
+            <a:r>
+              <a:rPr lang="en-US" dirty="0" smtClean="0"/>
+              <a:t> </a:t>
+            </a:r>
+            <a:r>
+              <a:rPr lang="en-US" dirty="0" err="1" smtClean="0"/>
+              <a:t>chép</a:t>
+            </a:r>
+            <a:r>
+              <a:rPr lang="en-US" dirty="0" smtClean="0"/>
+              <a:t> </a:t>
+            </a:r>
+            <a:r>
+              <a:rPr lang="en-US" dirty="0" err="1" smtClean="0"/>
+              <a:t>ở</a:t>
+            </a:r>
+            <a:r>
+              <a:rPr lang="en-US" dirty="0" smtClean="0"/>
+              <a:t> </a:t>
+            </a:r>
+            <a:r>
+              <a:rPr lang="en-US" dirty="0" err="1" smtClean="0"/>
+              <a:t>máy</a:t>
+            </a:r>
+            <a:r>
+              <a:rPr lang="en-US" dirty="0" smtClean="0"/>
+              <a:t> </a:t>
+            </a:r>
+            <a:r>
+              <a:rPr lang="en-US" dirty="0" err="1" smtClean="0"/>
+              <a:t>cục</a:t>
+            </a:r>
+            <a:r>
+              <a:rPr lang="en-US" dirty="0" smtClean="0"/>
+              <a:t> </a:t>
+            </a:r>
+            <a:r>
+              <a:rPr lang="en-US" dirty="0" err="1" smtClean="0"/>
+              <a:t>bộ</a:t>
+            </a:r>
+            <a:r>
+              <a:rPr lang="en-US" dirty="0" smtClean="0"/>
+              <a:t>.</a:t>
+            </a:r>
+          </a:p>
+          <a:p>
+            <a:pPr>
+              <a:buFontTx/>
+              <a:buChar char="-"/>
+            </a:pPr>
+            <a:r>
+              <a:rPr lang="en-US" dirty="0" err="1" smtClean="0"/>
+              <a:t>Làm</a:t>
+            </a:r>
+            <a:r>
+              <a:rPr lang="en-US" dirty="0" smtClean="0"/>
+              <a:t> </a:t>
+            </a:r>
+            <a:r>
+              <a:rPr lang="en-US" dirty="0" err="1" smtClean="0"/>
+              <a:t>việc</a:t>
+            </a:r>
+            <a:r>
+              <a:rPr lang="en-US" dirty="0" smtClean="0"/>
+              <a:t> </a:t>
+            </a:r>
+            <a:r>
+              <a:rPr lang="en-US" dirty="0" err="1" smtClean="0"/>
+              <a:t>với</a:t>
+            </a:r>
+            <a:r>
+              <a:rPr lang="en-US" dirty="0" smtClean="0"/>
+              <a:t> </a:t>
+            </a:r>
+            <a:r>
+              <a:rPr lang="en-US" dirty="0" err="1" smtClean="0"/>
+              <a:t>nhánh</a:t>
+            </a:r>
+            <a:r>
+              <a:rPr lang="en-US" dirty="0" smtClean="0"/>
+              <a:t> </a:t>
+            </a:r>
+            <a:r>
+              <a:rPr lang="en-US" dirty="0" err="1" smtClean="0"/>
+              <a:t>dễ</a:t>
+            </a:r>
+            <a:r>
+              <a:rPr lang="en-US" dirty="0" smtClean="0"/>
+              <a:t> </a:t>
+            </a:r>
+            <a:r>
+              <a:rPr lang="en-US" dirty="0" err="1" smtClean="0"/>
+              <a:t>dàng</a:t>
+            </a:r>
+            <a:r>
+              <a:rPr lang="en-US" dirty="0" smtClean="0"/>
+              <a:t> </a:t>
+            </a:r>
+            <a:r>
+              <a:rPr lang="en-US" dirty="0" err="1" smtClean="0"/>
+              <a:t>hơn</a:t>
+            </a:r>
+            <a:r>
+              <a:rPr lang="en-US" dirty="0" smtClean="0"/>
+              <a:t>.</a:t>
+            </a:r>
+            <a:endParaRPr lang="en-US" dirty="0"/>
+          </a:p>
+        </p:txBody>
+      </p:sp>
+    </p:spTree>
+    <p:extLst>
+      <p:ext uri="{BB962C8B-B14F-4D97-AF65-F5344CB8AC3E}">
+        <p14:creationId xmlns:p14="http://schemas.microsoft.com/office/powerpoint/2010/main" val="2544626292"/>
+      </p:ext>
+    </p:extLst>
+  </p:cSld>
+  <p:clrMapOvr>
+    <a:masterClrMapping/>
+  </p:clrMapOvr>
+</p:sld>
+</file>
+
+<file path=ppt/slides/slide23.xml><?xml version="1.0" encoding="utf-8"?>
+<p:sld xmlns:a="http://schemas.openxmlformats.org/drawingml/2006/main" xmlns:r="http://schemas.openxmlformats.org/officeDocument/2006/relationships" xmlns:p="http://schemas.openxmlformats.org/presentationml/2006/main">
+  <p:cSld>
+    <p:spTree>
+      <p:nvGrpSpPr>
+        <p:cNvPr id="1" name=""/>
+        <p:cNvGrpSpPr/>
+        <p:nvPr/>
+      </p:nvGrpSpPr>
+      <p:grpSpPr>
+        <a:xfrm>
+          <a:off x="0" y="0"/>
+          <a:ext cx="0" cy="0"/>
+          <a:chOff x="0" y="0"/>
+          <a:chExt cx="0" cy="0"/>
+        </a:xfrm>
+      </p:grpSpPr>
+      <p:sp>
+        <p:nvSpPr>
+          <p:cNvPr id="2" name="Title 1"/>
+          <p:cNvSpPr>
+            <a:spLocks noGrp="1"/>
+          </p:cNvSpPr>
+          <p:nvPr>
+            <p:ph type="title"/>
+          </p:nvPr>
+        </p:nvSpPr>
+        <p:spPr>
+          <a:xfrm>
+            <a:off x="457200" y="752750"/>
+            <a:ext cx="8229600" cy="5208774"/>
+          </a:xfrm>
+        </p:spPr>
+        <p:txBody>
+          <a:bodyPr>
+            <a:normAutofit/>
+          </a:bodyPr>
+          <a:lstStyle/>
+          <a:p>
+            <a:r>
+              <a:rPr lang="en-US" sz="6000" dirty="0" err="1" smtClean="0"/>
+              <a:t>Cảm</a:t>
+            </a:r>
+            <a:r>
+              <a:rPr lang="en-US" sz="6000" dirty="0" smtClean="0"/>
+              <a:t> </a:t>
+            </a:r>
+            <a:r>
+              <a:rPr lang="en-US" sz="6000" dirty="0" err="1" smtClean="0"/>
+              <a:t>ơn</a:t>
+            </a:r>
+            <a:r>
+              <a:rPr lang="en-US" sz="6000" dirty="0" smtClean="0"/>
+              <a:t> </a:t>
+            </a:r>
+            <a:r>
+              <a:rPr lang="en-US" sz="6000" dirty="0" err="1" smtClean="0"/>
+              <a:t>đã</a:t>
+            </a:r>
+            <a:r>
+              <a:rPr lang="en-US" sz="6000" dirty="0" smtClean="0"/>
+              <a:t> </a:t>
+            </a:r>
+            <a:r>
+              <a:rPr lang="en-US" sz="6000" dirty="0" err="1" smtClean="0"/>
+              <a:t>lắng</a:t>
+            </a:r>
+            <a:r>
+              <a:rPr lang="en-US" sz="6000" dirty="0" smtClean="0"/>
+              <a:t> </a:t>
+            </a:r>
+            <a:r>
+              <a:rPr lang="en-US" sz="6000" dirty="0" err="1" smtClean="0"/>
+              <a:t>nghe</a:t>
+            </a:r>
+            <a:endParaRPr lang="en-US" sz="6000" dirty="0"/>
+          </a:p>
+        </p:txBody>
+      </p:sp>
+    </p:spTree>
+    <p:extLst>
+      <p:ext uri="{BB962C8B-B14F-4D97-AF65-F5344CB8AC3E}">
+        <p14:creationId xmlns:p14="http://schemas.microsoft.com/office/powerpoint/2010/main" val="1866741818"/>
       </p:ext>
     </p:extLst>
   </p:cSld>
@@ -3816,6 +7055,13 @@
   <p:clrMapOvr>
     <a:masterClrMapping/>
   </p:clrMapOvr>
+  <p:timing>
+    <p:tnLst>
+      <p:par>
+        <p:cTn xmlns:p14="http://schemas.microsoft.com/office/powerpoint/2010/main" id="1" dur="indefinite" restart="never" nodeType="tmRoot"/>
+      </p:par>
+    </p:tnLst>
+  </p:timing>
 </p:sld>
 </file>
 
@@ -3913,106 +7159,153 @@
             <a:endParaRPr lang="en-US" dirty="0" smtClean="0"/>
           </a:p>
           <a:p>
-            <a:r>
-              <a:rPr lang="en-US" dirty="0" err="1" smtClean="0"/>
-              <a:t>Lưu</a:t>
-            </a:r>
-            <a:r>
-              <a:rPr lang="en-US" dirty="0" smtClean="0"/>
-              <a:t> </a:t>
-            </a:r>
-            <a:r>
-              <a:rPr lang="en-US" dirty="0" err="1" smtClean="0"/>
-              <a:t>trữ</a:t>
-            </a:r>
-            <a:r>
-              <a:rPr lang="en-US" dirty="0" smtClean="0"/>
-              <a:t>: </a:t>
-            </a:r>
-            <a:r>
-              <a:rPr lang="en-US" dirty="0" err="1" smtClean="0"/>
-              <a:t>vòng</a:t>
-            </a:r>
-            <a:r>
-              <a:rPr lang="en-US" dirty="0" smtClean="0"/>
-              <a:t> </a:t>
-            </a:r>
-            <a:r>
-              <a:rPr lang="en-US" dirty="0" err="1" smtClean="0"/>
-              <a:t>đời</a:t>
-            </a:r>
-            <a:r>
-              <a:rPr lang="en-US" dirty="0" smtClean="0"/>
-              <a:t> </a:t>
-            </a:r>
-            <a:r>
-              <a:rPr lang="en-US" dirty="0" err="1" smtClean="0"/>
-              <a:t>của</a:t>
-            </a:r>
-            <a:r>
-              <a:rPr lang="en-US" dirty="0" smtClean="0"/>
-              <a:t> </a:t>
-            </a:r>
-            <a:r>
-              <a:rPr lang="en-US" dirty="0" err="1" smtClean="0"/>
-              <a:t>tập</a:t>
-            </a:r>
-            <a:r>
-              <a:rPr lang="en-US" dirty="0" smtClean="0"/>
-              <a:t> tin </a:t>
-            </a:r>
-            <a:r>
-              <a:rPr lang="en-US" dirty="0" err="1" smtClean="0"/>
-              <a:t>trong</a:t>
-            </a:r>
-            <a:r>
-              <a:rPr lang="en-US" dirty="0" smtClean="0"/>
-              <a:t> </a:t>
+            <a:pPr lvl="1"/>
+            <a:r>
+              <a:rPr lang="en-US" dirty="0" err="1" smtClean="0"/>
+              <a:t>Khởi</a:t>
+            </a:r>
+            <a:r>
+              <a:rPr lang="en-US" dirty="0" smtClean="0"/>
+              <a:t> </a:t>
+            </a:r>
+            <a:r>
+              <a:rPr lang="en-US" dirty="0" err="1" smtClean="0"/>
+              <a:t>tạo</a:t>
+            </a:r>
+            <a:r>
+              <a:rPr lang="en-US" dirty="0" smtClean="0"/>
+              <a:t> </a:t>
+            </a:r>
+            <a:r>
+              <a:rPr lang="en-US" dirty="0" err="1" smtClean="0"/>
+              <a:t>từ</a:t>
+            </a:r>
+            <a:r>
+              <a:rPr lang="en-US" dirty="0" smtClean="0"/>
+              <a:t> </a:t>
+            </a:r>
+            <a:r>
+              <a:rPr lang="en-US" dirty="0" err="1" smtClean="0"/>
+              <a:t>thư</a:t>
+            </a:r>
+            <a:r>
+              <a:rPr lang="en-US" dirty="0" smtClean="0"/>
+              <a:t> </a:t>
+            </a:r>
+            <a:r>
+              <a:rPr lang="en-US" dirty="0" err="1" smtClean="0"/>
+              <a:t>mục</a:t>
+            </a:r>
+            <a:r>
+              <a:rPr lang="en-US" dirty="0" smtClean="0"/>
+              <a:t> </a:t>
+            </a:r>
+            <a:r>
+              <a:rPr lang="en-US" dirty="0" err="1" smtClean="0"/>
+              <a:t>trống</a:t>
+            </a:r>
+            <a:r>
+              <a:rPr lang="en-US" dirty="0" smtClean="0"/>
+              <a:t>:</a:t>
+            </a:r>
+          </a:p>
+          <a:p>
+            <a:pPr marL="0" indent="0">
+              <a:buNone/>
+            </a:pPr>
+            <a:r>
+              <a:rPr lang="en-US" dirty="0" smtClean="0"/>
+              <a:t>	</a:t>
             </a:r>
             <a:r>
               <a:rPr lang="en-US" dirty="0" err="1" smtClean="0"/>
               <a:t>Git</a:t>
             </a:r>
+            <a:r>
+              <a:rPr lang="en-US" dirty="0" smtClean="0"/>
+              <a:t> </a:t>
+            </a:r>
+            <a:r>
+              <a:rPr lang="en-US" dirty="0" err="1" smtClean="0"/>
+              <a:t>init</a:t>
+            </a:r>
             <a:endParaRPr lang="en-US" dirty="0" smtClean="0"/>
           </a:p>
           <a:p>
-            <a:endParaRPr lang="en-US" dirty="0"/>
-          </a:p>
-        </p:txBody>
-      </p:sp>
-      <p:pic>
-        <p:nvPicPr>
-          <p:cNvPr id="4" name="Picture 3"/>
-          <p:cNvPicPr/>
-          <p:nvPr/>
-        </p:nvPicPr>
-        <p:blipFill>
-          <a:blip r:embed="rId2">
-            <a:extLst>
-              <a:ext uri="{28A0092B-C50C-407E-A947-70E740481C1C}">
-                <a14:useLocalDpi xmlns:a14="http://schemas.microsoft.com/office/drawing/2010/main" val="0"/>
-              </a:ext>
-            </a:extLst>
-          </a:blip>
-          <a:srcRect/>
-          <a:stretch>
-            <a:fillRect/>
-          </a:stretch>
-        </p:blipFill>
-        <p:spPr bwMode="auto">
-          <a:xfrm>
-            <a:off x="896471" y="2739837"/>
-            <a:ext cx="6648823" cy="3938869"/>
-          </a:xfrm>
-          <a:prstGeom prst="rect">
-            <a:avLst/>
-          </a:prstGeom>
-          <a:noFill/>
-          <a:ln>
-            <a:noFill/>
-          </a:ln>
-        </p:spPr>
-      </p:pic>
+            <a:pPr lvl="1"/>
+            <a:r>
+              <a:rPr lang="en-US" dirty="0" err="1" smtClean="0"/>
+              <a:t>Khởi</a:t>
+            </a:r>
+            <a:r>
+              <a:rPr lang="en-US" dirty="0" smtClean="0"/>
+              <a:t> </a:t>
+            </a:r>
+            <a:r>
+              <a:rPr lang="en-US" dirty="0" err="1" smtClean="0"/>
+              <a:t>tạo</a:t>
+            </a:r>
+            <a:r>
+              <a:rPr lang="en-US" dirty="0" smtClean="0"/>
+              <a:t> </a:t>
+            </a:r>
+            <a:r>
+              <a:rPr lang="en-US" dirty="0" err="1" smtClean="0"/>
+              <a:t>từ</a:t>
+            </a:r>
+            <a:r>
+              <a:rPr lang="en-US" dirty="0" smtClean="0"/>
+              <a:t> repository </a:t>
+            </a:r>
+            <a:r>
+              <a:rPr lang="en-US" dirty="0" err="1" smtClean="0"/>
+              <a:t>có</a:t>
+            </a:r>
+            <a:r>
+              <a:rPr lang="en-US" dirty="0" smtClean="0"/>
+              <a:t> </a:t>
+            </a:r>
+            <a:r>
+              <a:rPr lang="en-US" dirty="0" err="1" smtClean="0"/>
+              <a:t>sẵn</a:t>
+            </a:r>
+            <a:r>
+              <a:rPr lang="en-US" dirty="0" smtClean="0"/>
+              <a:t>:</a:t>
+            </a:r>
+          </a:p>
+          <a:p>
+            <a:pPr marL="0" indent="0">
+              <a:buNone/>
+            </a:pPr>
+            <a:r>
+              <a:rPr lang="en-US" dirty="0" smtClean="0"/>
+              <a:t>	</a:t>
+            </a:r>
+            <a:r>
+              <a:rPr lang="en-US" dirty="0" err="1" smtClean="0"/>
+              <a:t>Git</a:t>
+            </a:r>
+            <a:r>
+              <a:rPr lang="en-US" dirty="0" smtClean="0"/>
+              <a:t> clone [</a:t>
+            </a:r>
+            <a:r>
+              <a:rPr lang="en-US" dirty="0" err="1" smtClean="0"/>
+              <a:t>url</a:t>
+            </a:r>
+            <a:r>
+              <a:rPr lang="en-US" dirty="0" smtClean="0"/>
+              <a:t>] </a:t>
+            </a:r>
+            <a:r>
+              <a:rPr lang="en-US" dirty="0" smtClean="0"/>
+              <a:t>[folder name]</a:t>
+            </a:r>
+            <a:endParaRPr lang="en-US" dirty="0" smtClean="0"/>
+          </a:p>
+        </p:txBody>
+      </p:sp>
     </p:spTree>
     <p:extLst>
       <p:ext uri="{BB962C8B-B14F-4D97-AF65-F5344CB8AC3E}">
@@ -4060,6 +7353,208 @@
             <p:ph type="title"/>
           </p:nvPr>
         </p:nvSpPr>
+        <p:spPr/>
+        <p:txBody>
+          <a:bodyPr/>
+          <a:lstStyle/>
+          <a:p>
+            <a:r>
+              <a:rPr lang="en-US" dirty="0" err="1"/>
+              <a:t>Làm</a:t>
+            </a:r>
+            <a:r>
+              <a:rPr lang="en-US" dirty="0"/>
+              <a:t> </a:t>
+            </a:r>
+            <a:r>
+              <a:rPr lang="en-US" dirty="0" err="1"/>
+              <a:t>việc</a:t>
+            </a:r>
+            <a:r>
+              <a:rPr lang="en-US" dirty="0"/>
+              <a:t> </a:t>
+            </a:r>
+            <a:r>
+              <a:rPr lang="en-US" dirty="0" err="1"/>
+              <a:t>với</a:t>
+            </a:r>
+            <a:r>
+              <a:rPr lang="en-US" dirty="0"/>
+              <a:t> </a:t>
+            </a:r>
+            <a:r>
+              <a:rPr lang="en-US" dirty="0" err="1"/>
+              <a:t>Git</a:t>
+            </a:r>
+            <a:endParaRPr lang="en-US" dirty="0"/>
+          </a:p>
+        </p:txBody>
+      </p:sp>
+      <p:sp>
+        <p:nvSpPr>
+          <p:cNvPr id="3" name="Content Placeholder 2"/>
+          <p:cNvSpPr>
+            <a:spLocks noGrp="1"/>
+          </p:cNvSpPr>
+          <p:nvPr>
+            <p:ph idx="1"/>
+          </p:nvPr>
+        </p:nvSpPr>
+        <p:spPr/>
+        <p:txBody>
+          <a:bodyPr/>
+          <a:lstStyle/>
+          <a:p>
+            <a:r>
+              <a:rPr lang="en-US" dirty="0" err="1" smtClean="0"/>
+              <a:t>Lưu</a:t>
+            </a:r>
+            <a:r>
+              <a:rPr lang="en-US" dirty="0" smtClean="0"/>
+              <a:t> </a:t>
+            </a:r>
+            <a:r>
+              <a:rPr lang="en-US" dirty="0" err="1" smtClean="0"/>
+              <a:t>trữ</a:t>
+            </a:r>
+            <a:r>
+              <a:rPr lang="en-US" dirty="0" smtClean="0"/>
+              <a:t>: </a:t>
+            </a:r>
+            <a:r>
+              <a:rPr lang="en-US" dirty="0" err="1" smtClean="0"/>
+              <a:t>vòng</a:t>
+            </a:r>
+            <a:r>
+              <a:rPr lang="en-US" dirty="0" smtClean="0"/>
+              <a:t> </a:t>
+            </a:r>
+            <a:r>
+              <a:rPr lang="en-US" dirty="0" err="1" smtClean="0"/>
+              <a:t>đời</a:t>
+            </a:r>
+            <a:r>
+              <a:rPr lang="en-US" dirty="0" smtClean="0"/>
+              <a:t> </a:t>
+            </a:r>
+            <a:r>
+              <a:rPr lang="en-US" dirty="0" err="1" smtClean="0"/>
+              <a:t>của</a:t>
+            </a:r>
+            <a:r>
+              <a:rPr lang="en-US" dirty="0" smtClean="0"/>
+              <a:t> </a:t>
+            </a:r>
+            <a:r>
+              <a:rPr lang="en-US" dirty="0" err="1" smtClean="0"/>
+              <a:t>tập</a:t>
+            </a:r>
+            <a:r>
+              <a:rPr lang="en-US" dirty="0" smtClean="0"/>
+              <a:t> tin </a:t>
+            </a:r>
+            <a:r>
+              <a:rPr lang="en-US" dirty="0" err="1" smtClean="0"/>
+              <a:t>trong</a:t>
+            </a:r>
+            <a:r>
+              <a:rPr lang="en-US" dirty="0" smtClean="0"/>
+              <a:t> </a:t>
+            </a:r>
+            <a:r>
+              <a:rPr lang="en-US" dirty="0" err="1" smtClean="0"/>
+              <a:t>Git</a:t>
+            </a:r>
+            <a:endParaRPr lang="en-US" dirty="0" smtClean="0"/>
+          </a:p>
+          <a:p>
+            <a:pPr marL="0" indent="0">
+              <a:buNone/>
+            </a:pPr>
+            <a:endParaRPr lang="en-US" dirty="0"/>
+          </a:p>
+        </p:txBody>
+      </p:sp>
+      <p:pic>
+        <p:nvPicPr>
+          <p:cNvPr id="4" name="Picture 3"/>
+          <p:cNvPicPr/>
+          <p:nvPr/>
+        </p:nvPicPr>
+        <p:blipFill>
+          <a:blip r:embed="rId2">
+            <a:extLst>
+              <a:ext uri="{28A0092B-C50C-407E-A947-70E740481C1C}">
+                <a14:useLocalDpi xmlns:a14="http://schemas.microsoft.com/office/drawing/2010/main" val="0"/>
+              </a:ext>
+            </a:extLst>
+          </a:blip>
+          <a:srcRect/>
+          <a:stretch>
+            <a:fillRect/>
+          </a:stretch>
+        </p:blipFill>
+        <p:spPr bwMode="auto">
+          <a:xfrm>
+            <a:off x="457201" y="2360707"/>
+            <a:ext cx="8229600" cy="4318000"/>
+          </a:xfrm>
+          <a:prstGeom prst="rect">
+            <a:avLst/>
+          </a:prstGeom>
+          <a:noFill/>
+          <a:ln>
+            <a:noFill/>
+          </a:ln>
+        </p:spPr>
+      </p:pic>
+    </p:spTree>
+    <p:extLst>
+      <p:ext uri="{BB962C8B-B14F-4D97-AF65-F5344CB8AC3E}">
+        <p14:creationId xmlns:p14="http://schemas.microsoft.com/office/powerpoint/2010/main" val="202513400"/>
+      </p:ext>
+    </p:extLst>
+  </p:cSld>
+  <p:clrMapOvr>
+    <a:masterClrMapping/>
+  </p:clrMapOvr>
+  <p:timing>
+    <p:tnLst>
+      <p:par>
+        <p:cTn xmlns:p14="http://schemas.microsoft.com/office/powerpoint/2010/main" id="1" dur="indefinite" restart="never" nodeType="tmRoot"/>
+      </p:par>
+    </p:tnLst>
+  </p:timing>
+</p:sld>
+</file>
+
+<file path=ppt/slides/slide6.xml><?xml version="1.0" encoding="utf-8"?>
+<p:sld xmlns:a="http://schemas.openxmlformats.org/drawingml/2006/main" xmlns:r="http://schemas.openxmlformats.org/officeDocument/2006/relationships" xmlns:p="http://schemas.openxmlformats.org/presentationml/2006/main">
+  <p:cSld>
+    <p:spTree>
+      <p:nvGrpSpPr>
+        <p:cNvPr id="1" name=""/>
+        <p:cNvGrpSpPr/>
+        <p:nvPr/>
+      </p:nvGrpSpPr>
+      <p:grpSpPr>
+        <a:xfrm>
+          <a:off x="0" y="0"/>
+          <a:ext cx="0" cy="0"/>
+          <a:chOff x="0" y="0"/>
+          <a:chExt cx="0" cy="0"/>
+        </a:xfrm>
+      </p:grpSpPr>
+      <p:sp>
+        <p:nvSpPr>
+          <p:cNvPr id="2" name="Title 1"/>
+          <p:cNvSpPr>
+            <a:spLocks noGrp="1"/>
+          </p:cNvSpPr>
+          <p:nvPr>
+            <p:ph type="title"/>
+          </p:nvPr>
+        </p:nvSpPr>
         <p:spPr>
           <a:xfrm>
             <a:off x="457200" y="298825"/>
@@ -4126,13 +7621,6 @@
           <a:p>
             <a:r>
               <a:rPr lang="en-US" dirty="0" err="1" smtClean="0"/>
-              <a:t>Gitignore</a:t>
-            </a:r>
-            <a:endParaRPr lang="en-US" dirty="0"/>
-          </a:p>
-          <a:p>
-            <a:r>
-              <a:rPr lang="en-US" dirty="0" err="1" smtClean="0"/>
               <a:t>Phục</a:t>
             </a:r>
             <a:r>
@@ -4181,14 +7669,14 @@
           <p:nvPr>
             <p:extLst>
               <p:ext uri="{D42A27DB-BD31-4B8C-83A1-F6EECF244321}">
-                <p14:modId xmlns:p14="http://schemas.microsoft.com/office/powerpoint/2010/main" val="625126149"/>
+                <p14:modId xmlns:p14="http://schemas.microsoft.com/office/powerpoint/2010/main" val="1805983164"/>
               </p:ext>
             </p:extLst>
           </p:nvPr>
         </p:nvGraphicFramePr>
         <p:xfrm>
-          <a:off x="457201" y="2327539"/>
-          <a:ext cx="8229600" cy="4407659"/>
+          <a:off x="457201" y="1792940"/>
+          <a:ext cx="8229600" cy="4942258"/>
         </p:xfrm>
         <a:graphic>
           <a:graphicData uri="http://schemas.openxmlformats.org/drawingml/2006/table">
@@ -4201,7 +7689,7 @@
                 <a:gridCol w="2743200"/>
                 <a:gridCol w="2743200"/>
               </a:tblGrid>
-              <a:tr h="569294">
+              <a:tr h="638343">
                 <a:tc>
                   <a:txBody>
                     <a:bodyPr/>
@@ -4320,7 +7808,7 @@
                   <a:tcPr/>
                 </a:tc>
               </a:tr>
-              <a:tr h="1039384">
+              <a:tr h="1230367">
                 <a:tc>
                   <a:txBody>
                     <a:bodyPr/>
@@ -4544,7 +8032,7 @@
                   <a:tcPr marL="68580" marR="68580" marT="0" marB="0"/>
                 </a:tc>
               </a:tr>
-              <a:tr h="779538">
+              <a:tr h="874087">
                 <a:tc>
                   <a:txBody>
                     <a:bodyPr/>
@@ -4696,7 +8184,7 @@
                   <a:tcPr marL="68580" marR="68580" marT="0" marB="0"/>
                 </a:tc>
               </a:tr>
-              <a:tr h="569294">
+              <a:tr h="638343">
                 <a:tc>
                   <a:txBody>
                     <a:bodyPr/>
@@ -4794,7 +8282,7 @@
                   <a:tcPr marL="68580" marR="68580" marT="0" marB="0"/>
                 </a:tc>
               </a:tr>
-              <a:tr h="779538">
+              <a:tr h="922775">
                 <a:tc>
                   <a:txBody>
                     <a:bodyPr/>
@@ -4958,7 +8446,7 @@
                   <a:tcPr marL="68580" marR="68580" marT="0" marB="0"/>
                 </a:tc>
               </a:tr>
-              <a:tr h="569294">
+              <a:tr h="638343">
                 <a:tc>
                   <a:txBody>
                     <a:bodyPr/>
@@ -5128,7 +8616,7 @@
 </p:sld>
 </file>
 
-<file path=ppt/slides/slide6.xml><?xml version="1.0" encoding="utf-8"?>
+<file path=ppt/slides/slide7.xml><?xml version="1.0" encoding="utf-8"?>
 <p:sld xmlns:a="http://schemas.openxmlformats.org/drawingml/2006/main" xmlns:r="http://schemas.openxmlformats.org/officeDocument/2006/relationships" xmlns:p="http://schemas.openxmlformats.org/presentationml/2006/main">
   <p:cSld>
     <p:spTree>
@@ -5162,15 +8650,23 @@
           <a:p>
             <a:r>
               <a:rPr lang="en-US" dirty="0" err="1" smtClean="0"/>
-              <a:t>Nhánh</a:t>
-            </a:r>
-            <a:r>
-              <a:rPr lang="en-US" dirty="0" smtClean="0"/>
-              <a:t> </a:t>
-            </a:r>
-            <a:r>
-              <a:rPr lang="en-US" dirty="0" err="1" smtClean="0"/>
-              <a:t>trong</a:t>
+              <a:t>Làm</a:t>
+            </a:r>
+            <a:r>
+              <a:rPr lang="en-US" dirty="0" smtClean="0"/>
+              <a:t> </a:t>
+            </a:r>
+            <a:r>
+              <a:rPr lang="en-US" dirty="0" err="1" smtClean="0"/>
+              <a:t>việc</a:t>
+            </a:r>
+            <a:r>
+              <a:rPr lang="en-US" dirty="0" smtClean="0"/>
+              <a:t> </a:t>
+            </a:r>
+            <a:r>
+              <a:rPr lang="en-US" dirty="0" err="1" smtClean="0"/>
+              <a:t>với</a:t>
             </a:r>
             <a:r>
               <a:rPr lang="en-US" dirty="0" smtClean="0"/>
@@ -5201,6 +8697,338 @@
           <a:p>
             <a:r>
               <a:rPr lang="en-US" dirty="0" err="1" smtClean="0"/>
+              <a:t>Gitignore</a:t>
+            </a:r>
+            <a:r>
+              <a:rPr lang="en-US" dirty="0" smtClean="0"/>
+              <a:t>: </a:t>
+            </a:r>
+            <a:r>
+              <a:rPr lang="en-US" dirty="0" err="1" smtClean="0"/>
+              <a:t>là</a:t>
+            </a:r>
+            <a:r>
+              <a:rPr lang="en-US" dirty="0" smtClean="0"/>
+              <a:t> </a:t>
+            </a:r>
+            <a:r>
+              <a:rPr lang="en-US" dirty="0" err="1" smtClean="0"/>
+              <a:t>một</a:t>
+            </a:r>
+            <a:r>
+              <a:rPr lang="en-US" dirty="0" smtClean="0"/>
+              <a:t> </a:t>
+            </a:r>
+            <a:r>
+              <a:rPr lang="en-US" dirty="0" err="1" smtClean="0"/>
+              <a:t>tập</a:t>
+            </a:r>
+            <a:r>
+              <a:rPr lang="en-US" dirty="0" smtClean="0"/>
+              <a:t> tin </a:t>
+            </a:r>
+            <a:r>
+              <a:rPr lang="en-US" dirty="0" err="1" smtClean="0"/>
+              <a:t>có</a:t>
+            </a:r>
+            <a:r>
+              <a:rPr lang="en-US" dirty="0" smtClean="0"/>
+              <a:t> </a:t>
+            </a:r>
+            <a:r>
+              <a:rPr lang="en-US" dirty="0" err="1" smtClean="0"/>
+              <a:t>tên</a:t>
+            </a:r>
+            <a:r>
+              <a:rPr lang="en-US" dirty="0" smtClean="0"/>
+              <a:t> .</a:t>
+            </a:r>
+            <a:r>
+              <a:rPr lang="en-US" dirty="0" err="1" smtClean="0"/>
+              <a:t>gitignore</a:t>
+            </a:r>
+            <a:endParaRPr lang="en-US" dirty="0" smtClean="0"/>
+          </a:p>
+          <a:p>
+            <a:r>
+              <a:rPr lang="en-US" dirty="0" err="1" smtClean="0"/>
+              <a:t>Liệt</a:t>
+            </a:r>
+            <a:r>
+              <a:rPr lang="en-US" dirty="0" smtClean="0"/>
+              <a:t> </a:t>
+            </a:r>
+            <a:r>
+              <a:rPr lang="en-US" dirty="0" err="1" smtClean="0"/>
+              <a:t>kê</a:t>
+            </a:r>
+            <a:r>
+              <a:rPr lang="en-US" dirty="0" smtClean="0"/>
+              <a:t> </a:t>
+            </a:r>
+            <a:r>
+              <a:rPr lang="en-US" dirty="0" err="1" smtClean="0"/>
+              <a:t>tên</a:t>
+            </a:r>
+            <a:r>
+              <a:rPr lang="en-US" dirty="0" smtClean="0"/>
+              <a:t> </a:t>
+            </a:r>
+            <a:r>
+              <a:rPr lang="en-US" dirty="0" err="1" smtClean="0"/>
+              <a:t>các</a:t>
+            </a:r>
+            <a:r>
+              <a:rPr lang="en-US" dirty="0" smtClean="0"/>
+              <a:t> </a:t>
+            </a:r>
+            <a:r>
+              <a:rPr lang="en-US" dirty="0" err="1" smtClean="0"/>
+              <a:t>tập</a:t>
+            </a:r>
+            <a:r>
+              <a:rPr lang="en-US" dirty="0" smtClean="0"/>
+              <a:t> tin </a:t>
+            </a:r>
+            <a:r>
+              <a:rPr lang="en-US" dirty="0" err="1" smtClean="0"/>
+              <a:t>hoặc</a:t>
+            </a:r>
+            <a:r>
+              <a:rPr lang="en-US" dirty="0" smtClean="0"/>
+              <a:t> </a:t>
+            </a:r>
+            <a:r>
+              <a:rPr lang="en-US" dirty="0" err="1" smtClean="0"/>
+              <a:t>các</a:t>
+            </a:r>
+            <a:r>
+              <a:rPr lang="en-US" dirty="0" smtClean="0"/>
+              <a:t> </a:t>
+            </a:r>
+            <a:r>
+              <a:rPr lang="en-US" dirty="0" err="1" smtClean="0"/>
+              <a:t>mẫu</a:t>
+            </a:r>
+            <a:r>
+              <a:rPr lang="en-US" dirty="0" smtClean="0"/>
+              <a:t> </a:t>
+            </a:r>
+            <a:r>
+              <a:rPr lang="en-US" dirty="0" err="1" smtClean="0"/>
+              <a:t>tên</a:t>
+            </a:r>
+            <a:r>
+              <a:rPr lang="en-US" dirty="0" smtClean="0"/>
+              <a:t> </a:t>
+            </a:r>
+            <a:r>
+              <a:rPr lang="en-US" dirty="0" err="1" smtClean="0"/>
+              <a:t>tập</a:t>
+            </a:r>
+            <a:r>
+              <a:rPr lang="en-US" dirty="0" smtClean="0"/>
+              <a:t> tin </a:t>
+            </a:r>
+            <a:r>
+              <a:rPr lang="en-US" dirty="0" err="1" smtClean="0"/>
+              <a:t>mà</a:t>
+            </a:r>
+            <a:r>
+              <a:rPr lang="en-US" dirty="0" smtClean="0"/>
+              <a:t> </a:t>
+            </a:r>
+            <a:r>
+              <a:rPr lang="en-US" dirty="0" err="1" smtClean="0"/>
+              <a:t>Git</a:t>
+            </a:r>
+            <a:r>
+              <a:rPr lang="en-US" dirty="0" smtClean="0"/>
+              <a:t> </a:t>
+            </a:r>
+            <a:r>
+              <a:rPr lang="en-US" dirty="0" err="1" smtClean="0"/>
+              <a:t>sẽ</a:t>
+            </a:r>
+            <a:r>
+              <a:rPr lang="en-US" dirty="0" smtClean="0"/>
+              <a:t> </a:t>
+            </a:r>
+            <a:r>
+              <a:rPr lang="en-US" dirty="0" err="1" smtClean="0"/>
+              <a:t>bỏ</a:t>
+            </a:r>
+            <a:r>
+              <a:rPr lang="en-US" dirty="0" smtClean="0"/>
+              <a:t> qua.</a:t>
+            </a:r>
+          </a:p>
+          <a:p>
+            <a:r>
+              <a:rPr lang="en-US" dirty="0" err="1" smtClean="0"/>
+              <a:t>Sử</a:t>
+            </a:r>
+            <a:r>
+              <a:rPr lang="en-US" dirty="0" smtClean="0"/>
+              <a:t> </a:t>
+            </a:r>
+            <a:r>
+              <a:rPr lang="en-US" dirty="0" err="1" smtClean="0"/>
+              <a:t>dụng</a:t>
+            </a:r>
+            <a:r>
+              <a:rPr lang="en-US" dirty="0" smtClean="0"/>
+              <a:t> regular expression </a:t>
+            </a:r>
+            <a:r>
+              <a:rPr lang="en-US" dirty="0" err="1" smtClean="0"/>
+              <a:t>để</a:t>
+            </a:r>
+            <a:r>
+              <a:rPr lang="en-US" dirty="0" smtClean="0"/>
+              <a:t> </a:t>
+            </a:r>
+            <a:r>
+              <a:rPr lang="en-US" dirty="0" err="1" smtClean="0"/>
+              <a:t>tìm</a:t>
+            </a:r>
+            <a:r>
+              <a:rPr lang="en-US" dirty="0" smtClean="0"/>
+              <a:t> </a:t>
+            </a:r>
+            <a:r>
+              <a:rPr lang="en-US" dirty="0" err="1" smtClean="0"/>
+              <a:t>các</a:t>
+            </a:r>
+            <a:r>
+              <a:rPr lang="en-US" dirty="0" smtClean="0"/>
+              <a:t> </a:t>
+            </a:r>
+            <a:r>
+              <a:rPr lang="en-US" dirty="0" err="1" smtClean="0"/>
+              <a:t>tập</a:t>
+            </a:r>
+            <a:r>
+              <a:rPr lang="en-US" dirty="0" smtClean="0"/>
+              <a:t> tin </a:t>
+            </a:r>
+            <a:r>
+              <a:rPr lang="en-US" dirty="0" err="1" smtClean="0"/>
+              <a:t>theo</a:t>
+            </a:r>
+            <a:r>
+              <a:rPr lang="en-US" dirty="0" smtClean="0"/>
+              <a:t> </a:t>
+            </a:r>
+            <a:r>
+              <a:rPr lang="en-US" dirty="0" err="1" smtClean="0"/>
+              <a:t>mẫu</a:t>
+            </a:r>
+            <a:r>
+              <a:rPr lang="en-US" dirty="0" smtClean="0"/>
+              <a:t> </a:t>
+            </a:r>
+            <a:r>
+              <a:rPr lang="en-US" dirty="0" err="1" smtClean="0"/>
+              <a:t>tên</a:t>
+            </a:r>
+            <a:r>
+              <a:rPr lang="en-US" dirty="0" smtClean="0"/>
+              <a:t>.</a:t>
+            </a:r>
+            <a:endParaRPr lang="en-US" dirty="0"/>
+          </a:p>
+          <a:p>
+            <a:endParaRPr lang="en-US" dirty="0"/>
+          </a:p>
+        </p:txBody>
+      </p:sp>
+    </p:spTree>
+    <p:extLst>
+      <p:ext uri="{BB962C8B-B14F-4D97-AF65-F5344CB8AC3E}">
+        <p14:creationId xmlns:p14="http://schemas.microsoft.com/office/powerpoint/2010/main" val="2419129740"/>
+      </p:ext>
+    </p:extLst>
+  </p:cSld>
+  <p:clrMapOvr>
+    <a:masterClrMapping/>
+  </p:clrMapOvr>
+</p:sld>
+</file>
+
+<file path=ppt/slides/slide8.xml><?xml version="1.0" encoding="utf-8"?>
+<p:sld xmlns:a="http://schemas.openxmlformats.org/drawingml/2006/main" xmlns:r="http://schemas.openxmlformats.org/officeDocument/2006/relationships" xmlns:p="http://schemas.openxmlformats.org/presentationml/2006/main">
+  <p:cSld>
+    <p:spTree>
+      <p:nvGrpSpPr>
+        <p:cNvPr id="1" name=""/>
+        <p:cNvGrpSpPr/>
+        <p:nvPr/>
+      </p:nvGrpSpPr>
+      <p:grpSpPr>
+        <a:xfrm>
+          <a:off x="0" y="0"/>
+          <a:ext cx="0" cy="0"/>
+          <a:chOff x="0" y="0"/>
+          <a:chExt cx="0" cy="0"/>
+        </a:xfrm>
+      </p:grpSpPr>
+      <p:sp>
+        <p:nvSpPr>
+          <p:cNvPr id="2" name="Title 1"/>
+          <p:cNvSpPr>
+            <a:spLocks noGrp="1"/>
+          </p:cNvSpPr>
+          <p:nvPr>
+            <p:ph type="title"/>
+          </p:nvPr>
+        </p:nvSpPr>
+        <p:spPr/>
+        <p:txBody>
+          <a:bodyPr/>
+          <a:lstStyle/>
+          <a:p>
+            <a:r>
+              <a:rPr lang="en-US" dirty="0" err="1" smtClean="0"/>
+              <a:t>Nhánh</a:t>
+            </a:r>
+            <a:r>
+              <a:rPr lang="en-US" dirty="0" smtClean="0"/>
+              <a:t> </a:t>
+            </a:r>
+            <a:r>
+              <a:rPr lang="en-US" dirty="0" err="1" smtClean="0"/>
+              <a:t>trong</a:t>
+            </a:r>
+            <a:r>
+              <a:rPr lang="en-US" dirty="0" smtClean="0"/>
+              <a:t> </a:t>
+            </a:r>
+            <a:r>
+              <a:rPr lang="en-US" dirty="0" err="1" smtClean="0"/>
+              <a:t>Git</a:t>
+            </a:r>
+            <a:endParaRPr lang="en-US" dirty="0"/>
+          </a:p>
+        </p:txBody>
+      </p:sp>
+      <p:sp>
+        <p:nvSpPr>
+          <p:cNvPr id="3" name="Content Placeholder 2"/>
+          <p:cNvSpPr>
+            <a:spLocks noGrp="1"/>
+          </p:cNvSpPr>
+          <p:nvPr>
+            <p:ph idx="1"/>
+          </p:nvPr>
+        </p:nvSpPr>
+        <p:spPr/>
+        <p:txBody>
+          <a:bodyPr/>
+          <a:lstStyle/>
+          <a:p>
+            <a:r>
+              <a:rPr lang="en-US" dirty="0" err="1" smtClean="0"/>
               <a:t>Khái</a:t>
             </a:r>
             <a:r>
@@ -5221,217 +9049,323 @@
             </a:r>
             <a:r>
               <a:rPr lang="en-US" dirty="0" smtClean="0"/>
-              <a:t>:</a:t>
-            </a:r>
+              <a:t>: </a:t>
+            </a:r>
+            <a:r>
+              <a:rPr lang="en-US" dirty="0" err="1" smtClean="0"/>
+              <a:t>nhánh</a:t>
+            </a:r>
+            <a:r>
+              <a:rPr lang="en-US" dirty="0" smtClean="0"/>
+              <a:t> </a:t>
+            </a:r>
+            <a:r>
+              <a:rPr lang="en-US" dirty="0" err="1" smtClean="0"/>
+              <a:t>là</a:t>
+            </a:r>
+            <a:r>
+              <a:rPr lang="en-US" dirty="0" smtClean="0"/>
+              <a:t> </a:t>
+            </a:r>
+            <a:r>
+              <a:rPr lang="en-US" dirty="0" err="1" smtClean="0"/>
+              <a:t>một</a:t>
+            </a:r>
+            <a:r>
+              <a:rPr lang="en-US" dirty="0" smtClean="0"/>
+              <a:t> con </a:t>
+            </a:r>
+            <a:r>
+              <a:rPr lang="en-US" dirty="0" err="1" smtClean="0"/>
+              <a:t>trỏ</a:t>
+            </a:r>
+            <a:r>
+              <a:rPr lang="en-US" dirty="0" smtClean="0"/>
+              <a:t> </a:t>
+            </a:r>
+            <a:r>
+              <a:rPr lang="en-US" dirty="0" err="1" smtClean="0"/>
+              <a:t>có</a:t>
+            </a:r>
+            <a:r>
+              <a:rPr lang="en-US" dirty="0" smtClean="0"/>
+              <a:t> </a:t>
+            </a:r>
+            <a:r>
+              <a:rPr lang="en-US" dirty="0" err="1" smtClean="0"/>
+              <a:t>khả</a:t>
+            </a:r>
+            <a:r>
+              <a:rPr lang="en-US" dirty="0" smtClean="0"/>
+              <a:t> </a:t>
+            </a:r>
+            <a:r>
+              <a:rPr lang="en-US" dirty="0" err="1" smtClean="0"/>
+              <a:t>năng</a:t>
+            </a:r>
+            <a:r>
+              <a:rPr lang="en-US" dirty="0" smtClean="0"/>
+              <a:t> di </a:t>
+            </a:r>
+            <a:r>
+              <a:rPr lang="en-US" dirty="0" err="1" smtClean="0"/>
+              <a:t>chuyển</a:t>
+            </a:r>
+            <a:r>
+              <a:rPr lang="en-US" dirty="0" smtClean="0"/>
+              <a:t> </a:t>
+            </a:r>
+            <a:r>
+              <a:rPr lang="en-US" dirty="0" err="1" smtClean="0"/>
+              <a:t>được</a:t>
+            </a:r>
+            <a:r>
+              <a:rPr lang="en-US" dirty="0" smtClean="0"/>
+              <a:t>, </a:t>
+            </a:r>
+            <a:r>
+              <a:rPr lang="en-US" dirty="0" err="1" smtClean="0"/>
+              <a:t>trỏ</a:t>
+            </a:r>
+            <a:r>
+              <a:rPr lang="en-US" dirty="0" smtClean="0"/>
+              <a:t> </a:t>
+            </a:r>
+            <a:r>
+              <a:rPr lang="en-US" dirty="0" err="1" smtClean="0"/>
+              <a:t>đến</a:t>
+            </a:r>
+            <a:r>
+              <a:rPr lang="en-US" dirty="0" smtClean="0"/>
+              <a:t> </a:t>
+            </a:r>
+            <a:r>
+              <a:rPr lang="en-US" dirty="0" err="1" smtClean="0"/>
+              <a:t>một</a:t>
+            </a:r>
+            <a:r>
+              <a:rPr lang="en-US" dirty="0" smtClean="0"/>
+              <a:t> </a:t>
+            </a:r>
+            <a:r>
+              <a:rPr lang="en-US" dirty="0" err="1" smtClean="0"/>
+              <a:t>trong</a:t>
+            </a:r>
+            <a:r>
+              <a:rPr lang="en-US" dirty="0" smtClean="0"/>
+              <a:t> </a:t>
+            </a:r>
+            <a:r>
+              <a:rPr lang="en-US" dirty="0" err="1" smtClean="0"/>
+              <a:t>những</a:t>
+            </a:r>
+            <a:r>
+              <a:rPr lang="en-US" dirty="0" smtClean="0"/>
+              <a:t> commit </a:t>
+            </a:r>
+            <a:r>
+              <a:rPr lang="en-US" dirty="0" err="1" smtClean="0"/>
+              <a:t>của</a:t>
+            </a:r>
+            <a:r>
+              <a:rPr lang="en-US" dirty="0" smtClean="0"/>
+              <a:t> repository.</a:t>
+            </a:r>
+          </a:p>
+          <a:p>
+            <a:r>
+              <a:rPr lang="en-US" dirty="0" err="1" smtClean="0"/>
+              <a:t>Nhánh</a:t>
+            </a:r>
+            <a:r>
+              <a:rPr lang="en-US" dirty="0" smtClean="0"/>
+              <a:t> </a:t>
+            </a:r>
+            <a:r>
+              <a:rPr lang="en-US" dirty="0" err="1" smtClean="0"/>
+              <a:t>mặc</a:t>
+            </a:r>
+            <a:r>
+              <a:rPr lang="en-US" dirty="0" smtClean="0"/>
+              <a:t> </a:t>
+            </a:r>
+            <a:r>
+              <a:rPr lang="en-US" dirty="0" err="1" smtClean="0"/>
+              <a:t>định</a:t>
+            </a:r>
+            <a:r>
+              <a:rPr lang="en-US" dirty="0" smtClean="0"/>
+              <a:t> </a:t>
+            </a:r>
+            <a:r>
+              <a:rPr lang="en-US" dirty="0" err="1" smtClean="0"/>
+              <a:t>có</a:t>
+            </a:r>
+            <a:r>
+              <a:rPr lang="en-US" dirty="0" smtClean="0"/>
+              <a:t> </a:t>
+            </a:r>
+            <a:r>
+              <a:rPr lang="en-US" dirty="0" err="1" smtClean="0"/>
+              <a:t>tên</a:t>
+            </a:r>
+            <a:r>
+              <a:rPr lang="en-US" dirty="0" smtClean="0"/>
+              <a:t> </a:t>
+            </a:r>
+            <a:r>
+              <a:rPr lang="en-US" dirty="0" err="1" smtClean="0"/>
+              <a:t>là</a:t>
+            </a:r>
+            <a:r>
+              <a:rPr lang="en-US" dirty="0" smtClean="0"/>
+              <a:t> master</a:t>
+            </a:r>
+          </a:p>
+          <a:p>
+            <a:r>
+              <a:rPr lang="en-US" dirty="0" err="1" smtClean="0"/>
+              <a:t>Người</a:t>
+            </a:r>
+            <a:r>
+              <a:rPr lang="en-US" dirty="0" smtClean="0"/>
+              <a:t> </a:t>
+            </a:r>
+            <a:r>
+              <a:rPr lang="en-US" dirty="0" err="1" smtClean="0"/>
+              <a:t>dùng</a:t>
+            </a:r>
+            <a:r>
+              <a:rPr lang="en-US" dirty="0" smtClean="0"/>
+              <a:t> </a:t>
+            </a:r>
+            <a:r>
+              <a:rPr lang="en-US" dirty="0" err="1" smtClean="0"/>
+              <a:t>có</a:t>
+            </a:r>
+            <a:r>
+              <a:rPr lang="en-US" dirty="0" smtClean="0"/>
+              <a:t> </a:t>
+            </a:r>
+            <a:r>
+              <a:rPr lang="en-US" dirty="0" err="1" smtClean="0"/>
+              <a:t>thể</a:t>
+            </a:r>
+            <a:r>
+              <a:rPr lang="en-US" dirty="0" smtClean="0"/>
+              <a:t> </a:t>
+            </a:r>
+            <a:r>
+              <a:rPr lang="en-US" dirty="0" err="1" smtClean="0"/>
+              <a:t>thêm</a:t>
+            </a:r>
+            <a:r>
+              <a:rPr lang="en-US" dirty="0" smtClean="0"/>
+              <a:t> </a:t>
+            </a:r>
+            <a:r>
+              <a:rPr lang="en-US" dirty="0" err="1" smtClean="0"/>
+              <a:t>nhánh</a:t>
+            </a:r>
+            <a:r>
+              <a:rPr lang="en-US" dirty="0" smtClean="0"/>
+              <a:t> </a:t>
+            </a:r>
+            <a:r>
+              <a:rPr lang="en-US" dirty="0" err="1" smtClean="0"/>
+              <a:t>mới</a:t>
+            </a:r>
+            <a:r>
+              <a:rPr lang="en-US" dirty="0" smtClean="0"/>
+              <a:t>, con </a:t>
+            </a:r>
+            <a:r>
+              <a:rPr lang="en-US" dirty="0" err="1" smtClean="0"/>
+              <a:t>trỏ</a:t>
+            </a:r>
+            <a:r>
+              <a:rPr lang="en-US" dirty="0" smtClean="0"/>
+              <a:t> </a:t>
+            </a:r>
+            <a:r>
+              <a:rPr lang="en-US" dirty="0" err="1" smtClean="0"/>
+              <a:t>mới</a:t>
+            </a:r>
+            <a:r>
+              <a:rPr lang="en-US" dirty="0" smtClean="0"/>
+              <a:t> </a:t>
+            </a:r>
+            <a:r>
+              <a:rPr lang="en-US" dirty="0" err="1" smtClean="0"/>
+              <a:t>sẽ</a:t>
+            </a:r>
+            <a:r>
+              <a:rPr lang="en-US" dirty="0" smtClean="0"/>
+              <a:t> </a:t>
+            </a:r>
+            <a:r>
+              <a:rPr lang="en-US" dirty="0" err="1" smtClean="0"/>
+              <a:t>được</a:t>
+            </a:r>
+            <a:r>
+              <a:rPr lang="en-US" dirty="0" smtClean="0"/>
+              <a:t> </a:t>
+            </a:r>
+            <a:r>
+              <a:rPr lang="en-US" dirty="0" err="1" smtClean="0"/>
+              <a:t>tạo</a:t>
+            </a:r>
+            <a:r>
+              <a:rPr lang="en-US" dirty="0" smtClean="0"/>
+              <a:t> </a:t>
+            </a:r>
+            <a:r>
+              <a:rPr lang="en-US" dirty="0" err="1" smtClean="0"/>
+              <a:t>ra</a:t>
+            </a:r>
+            <a:r>
+              <a:rPr lang="en-US" dirty="0" smtClean="0"/>
+              <a:t>, </a:t>
+            </a:r>
+            <a:r>
+              <a:rPr lang="en-US" dirty="0" err="1" smtClean="0"/>
+              <a:t>trỏ</a:t>
+            </a:r>
+            <a:r>
+              <a:rPr lang="en-US" dirty="0" smtClean="0"/>
+              <a:t> </a:t>
+            </a:r>
+            <a:r>
+              <a:rPr lang="en-US" dirty="0" err="1" smtClean="0"/>
+              <a:t>vào</a:t>
+            </a:r>
+            <a:r>
+              <a:rPr lang="en-US" dirty="0" smtClean="0"/>
+              <a:t> commit </a:t>
+            </a:r>
+            <a:r>
+              <a:rPr lang="en-US" dirty="0" err="1" smtClean="0"/>
+              <a:t>hiện</a:t>
+            </a:r>
+            <a:r>
+              <a:rPr lang="en-US" dirty="0" smtClean="0"/>
+              <a:t> </a:t>
+            </a:r>
+            <a:r>
+              <a:rPr lang="en-US" dirty="0" err="1" smtClean="0"/>
+              <a:t>tại</a:t>
+            </a:r>
+            <a:r>
+              <a:rPr lang="en-US" dirty="0" smtClean="0"/>
+              <a:t>.</a:t>
+            </a:r>
+            <a:endParaRPr lang="en-US" dirty="0" smtClean="0"/>
           </a:p>
           <a:p>
             <a:pPr marL="0" indent="0">
               <a:buNone/>
             </a:pPr>
             <a:endParaRPr lang="en-US" dirty="0"/>
-          </a:p>
-        </p:txBody>
-      </p:sp>
-      <p:pic>
-        <p:nvPicPr>
-          <p:cNvPr id="4" name="Picture 3"/>
-          <p:cNvPicPr/>
-          <p:nvPr/>
-        </p:nvPicPr>
-        <p:blipFill>
-          <a:blip r:embed="rId2">
-            <a:extLst>
-              <a:ext uri="{28A0092B-C50C-407E-A947-70E740481C1C}">
-                <a14:useLocalDpi xmlns:a14="http://schemas.microsoft.com/office/drawing/2010/main" val="0"/>
-              </a:ext>
-            </a:extLst>
-          </a:blip>
-          <a:srcRect/>
-          <a:stretch>
-            <a:fillRect/>
-          </a:stretch>
-        </p:blipFill>
-        <p:spPr bwMode="auto">
-          <a:xfrm>
-            <a:off x="233085" y="2167890"/>
-            <a:ext cx="4099859" cy="3390228"/>
-          </a:xfrm>
-          <a:prstGeom prst="rect">
-            <a:avLst/>
-          </a:prstGeom>
-          <a:noFill/>
-          <a:ln>
-            <a:noFill/>
-          </a:ln>
-        </p:spPr>
-      </p:pic>
-      <p:pic>
-        <p:nvPicPr>
-          <p:cNvPr id="5" name="Picture 4"/>
-          <p:cNvPicPr/>
-          <p:nvPr/>
-        </p:nvPicPr>
-        <p:blipFill>
-          <a:blip r:embed="rId3">
-            <a:extLst>
-              <a:ext uri="{28A0092B-C50C-407E-A947-70E740481C1C}">
-                <a14:useLocalDpi xmlns:a14="http://schemas.microsoft.com/office/drawing/2010/main" val="0"/>
-              </a:ext>
-            </a:extLst>
-          </a:blip>
-          <a:srcRect/>
-          <a:stretch>
-            <a:fillRect/>
-          </a:stretch>
-        </p:blipFill>
-        <p:spPr bwMode="auto">
-          <a:xfrm>
-            <a:off x="4557059" y="2167890"/>
-            <a:ext cx="4457700" cy="3390228"/>
-          </a:xfrm>
-          <a:prstGeom prst="rect">
-            <a:avLst/>
-          </a:prstGeom>
-          <a:noFill/>
-          <a:ln>
-            <a:noFill/>
-          </a:ln>
-        </p:spPr>
-      </p:pic>
-      <p:cxnSp>
-        <p:nvCxnSpPr>
-          <p:cNvPr id="7" name="Straight Connector 6"/>
-          <p:cNvCxnSpPr/>
-          <p:nvPr/>
-        </p:nvCxnSpPr>
-        <p:spPr>
-          <a:xfrm>
-            <a:off x="4482354" y="1987176"/>
-            <a:ext cx="0" cy="4004236"/>
-          </a:xfrm>
-          <a:prstGeom prst="line">
-            <a:avLst/>
-          </a:prstGeom>
-          <a:ln>
-            <a:solidFill>
-              <a:schemeClr val="tx1"/>
-            </a:solidFill>
-          </a:ln>
-        </p:spPr>
-        <p:style>
-          <a:lnRef idx="2">
-            <a:schemeClr val="accent1"/>
-          </a:lnRef>
-          <a:fillRef idx="0">
-            <a:schemeClr val="accent1"/>
-          </a:fillRef>
-          <a:effectRef idx="1">
-            <a:schemeClr val="accent1"/>
-          </a:effectRef>
-          <a:fontRef idx="minor">
-            <a:schemeClr val="tx1"/>
-          </a:fontRef>
-        </p:style>
-      </p:cxnSp>
-      <p:sp>
-        <p:nvSpPr>
-          <p:cNvPr id="9" name="TextBox 8"/>
-          <p:cNvSpPr txBox="1"/>
-          <p:nvPr/>
-        </p:nvSpPr>
-        <p:spPr>
-          <a:xfrm>
-            <a:off x="762000" y="5991412"/>
-            <a:ext cx="2659529" cy="523220"/>
-          </a:xfrm>
-          <a:prstGeom prst="rect">
-            <a:avLst/>
-          </a:prstGeom>
-          <a:noFill/>
-        </p:spPr>
-        <p:txBody>
-          <a:bodyPr wrap="square" rtlCol="0">
-            <a:spAutoFit/>
-          </a:bodyPr>
-          <a:lstStyle/>
-          <a:p>
-            <a:pPr algn="ctr"/>
-            <a:r>
-              <a:rPr lang="en-US" sz="2800" dirty="0" err="1" smtClean="0"/>
-              <a:t>Nhánh</a:t>
-            </a:r>
-            <a:r>
-              <a:rPr lang="en-US" sz="2800" dirty="0" smtClean="0"/>
-              <a:t> </a:t>
-            </a:r>
-            <a:r>
-              <a:rPr lang="en-US" sz="2800" dirty="0" err="1" smtClean="0"/>
-              <a:t>mặc</a:t>
-            </a:r>
-            <a:r>
-              <a:rPr lang="en-US" sz="2800" dirty="0" smtClean="0"/>
-              <a:t> </a:t>
-            </a:r>
-            <a:r>
-              <a:rPr lang="en-US" sz="2800" dirty="0" err="1" smtClean="0"/>
-              <a:t>định</a:t>
-            </a:r>
-            <a:endParaRPr lang="en-US" sz="2800" dirty="0" smtClean="0"/>
-          </a:p>
-        </p:txBody>
-      </p:sp>
-      <p:sp>
-        <p:nvSpPr>
-          <p:cNvPr id="10" name="TextBox 9"/>
-          <p:cNvSpPr txBox="1"/>
-          <p:nvPr/>
-        </p:nvSpPr>
-        <p:spPr>
-          <a:xfrm>
-            <a:off x="4990353" y="5991412"/>
-            <a:ext cx="3585882" cy="523220"/>
-          </a:xfrm>
-          <a:prstGeom prst="rect">
-            <a:avLst/>
-          </a:prstGeom>
-          <a:noFill/>
-        </p:spPr>
-        <p:txBody>
-          <a:bodyPr wrap="square" rtlCol="0">
-            <a:spAutoFit/>
-          </a:bodyPr>
-          <a:lstStyle/>
-          <a:p>
-            <a:pPr algn="ctr"/>
-            <a:r>
-              <a:rPr lang="en-US" sz="2800" dirty="0" err="1" smtClean="0"/>
-              <a:t>Thêm</a:t>
-            </a:r>
-            <a:r>
-              <a:rPr lang="en-US" sz="2800" dirty="0" smtClean="0"/>
-              <a:t> </a:t>
-            </a:r>
-            <a:r>
-              <a:rPr lang="en-US" sz="2800" dirty="0" err="1" smtClean="0"/>
-              <a:t>một</a:t>
-            </a:r>
-            <a:r>
-              <a:rPr lang="en-US" sz="2800" dirty="0" smtClean="0"/>
-              <a:t> </a:t>
-            </a:r>
-            <a:r>
-              <a:rPr lang="en-US" sz="2800" dirty="0" err="1" smtClean="0"/>
-              <a:t>nhánh</a:t>
-            </a:r>
-            <a:r>
-              <a:rPr lang="en-US" sz="2800" dirty="0" smtClean="0"/>
-              <a:t> </a:t>
-            </a:r>
-            <a:r>
-              <a:rPr lang="en-US" sz="2800" dirty="0" err="1" smtClean="0"/>
-              <a:t>mới</a:t>
-            </a:r>
-            <a:endParaRPr lang="en-US" sz="2800" dirty="0" smtClean="0"/>
           </a:p>
         </p:txBody>
       </p:sp>
@@ -5455,7 +9389,7 @@
 </p:sld>
 </file>
 
-<file path=ppt/slides/slide7.xml><?xml version="1.0" encoding="utf-8"?>
+<file path=ppt/slides/slide9.xml><?xml version="1.0" encoding="utf-8"?>
 <p:sld xmlns:a="http://schemas.openxmlformats.org/drawingml/2006/main" xmlns:r="http://schemas.openxmlformats.org/officeDocument/2006/relationships" xmlns:p="http://schemas.openxmlformats.org/presentationml/2006/main">
   <p:cSld>
     <p:spTree>
@@ -5487,13 +9421,33 @@
           <a:bodyPr/>
           <a:lstStyle/>
           <a:p>
-            <a:endParaRPr lang="en-US"/>
-          </a:p>
-        </p:txBody>
-      </p:sp>
-      <p:sp>
-        <p:nvSpPr>
-          <p:cNvPr id="3" name="Content Placeholder 2"/>
+            <a:r>
+              <a:rPr lang="en-US" dirty="0" err="1" smtClean="0"/>
+              <a:t>Nhánh</a:t>
+            </a:r>
+            <a:r>
+              <a:rPr lang="en-US" dirty="0" smtClean="0"/>
+              <a:t> </a:t>
+            </a:r>
+            <a:r>
+              <a:rPr lang="en-US" dirty="0" err="1" smtClean="0"/>
+              <a:t>trong</a:t>
+            </a:r>
+            <a:r>
+              <a:rPr lang="en-US" dirty="0" smtClean="0"/>
+              <a:t> </a:t>
+            </a:r>
+            <a:r>
+              <a:rPr lang="en-US" dirty="0" err="1" smtClean="0"/>
+              <a:t>Git</a:t>
+            </a:r>
+            <a:endParaRPr lang="en-US" dirty="0"/>
+          </a:p>
+        </p:txBody>
+      </p:sp>
+      <p:sp>
+        <p:nvSpPr>
+          <p:cNvPr id="5" name="Content Placeholder 4"/>
           <p:cNvSpPr>
             <a:spLocks noGrp="1"/>
           </p:cNvSpPr>
@@ -5506,10 +9460,69 @@
           <a:bodyPr/>
           <a:lstStyle/>
           <a:p>
-            <a:endParaRPr lang="en-US"/>
-          </a:p>
-        </p:txBody>
-      </p:sp>
+            <a:r>
+              <a:rPr lang="en-US" dirty="0" err="1" smtClean="0"/>
+              <a:t>Nhánh</a:t>
+            </a:r>
+            <a:r>
+              <a:rPr lang="en-US" dirty="0" smtClean="0"/>
+              <a:t> </a:t>
+            </a:r>
+            <a:r>
+              <a:rPr lang="en-US" dirty="0" err="1" smtClean="0"/>
+              <a:t>mặc</a:t>
+            </a:r>
+            <a:r>
+              <a:rPr lang="en-US" dirty="0" smtClean="0"/>
+              <a:t> </a:t>
+            </a:r>
+            <a:r>
+              <a:rPr lang="en-US" dirty="0" err="1" smtClean="0"/>
+              <a:t>định</a:t>
+            </a:r>
+            <a:endParaRPr lang="en-US" dirty="0" smtClean="0"/>
+          </a:p>
+          <a:p>
+            <a:pPr marL="0" indent="0">
+              <a:buNone/>
+            </a:pPr>
+            <a:endParaRPr lang="en-US" dirty="0"/>
+          </a:p>
+        </p:txBody>
+      </p:sp>
+      <p:pic>
+        <p:nvPicPr>
+          <p:cNvPr id="6" name="Picture 5"/>
+          <p:cNvPicPr/>
+          <p:nvPr/>
+        </p:nvPicPr>
+        <p:blipFill>
+          <a:blip r:embed="rId2">
+            <a:extLst>
+              <a:ext uri="{28A0092B-C50C-407E-A947-70E740481C1C}">
+                <a14:useLocalDpi xmlns:a14="http://schemas.microsoft.com/office/drawing/2010/main" val="0"/>
+              </a:ext>
+            </a:extLst>
+          </a:blip>
+          <a:srcRect/>
+          <a:stretch>
+            <a:fillRect/>
+          </a:stretch>
+        </p:blipFill>
+        <p:spPr bwMode="auto">
+          <a:xfrm>
+            <a:off x="457200" y="2167889"/>
+            <a:ext cx="8229600" cy="4077523"/>
+          </a:xfrm>
+          <a:prstGeom prst="rect">
+            <a:avLst/>
+          </a:prstGeom>
+          <a:noFill/>
+          <a:ln>
+            <a:noFill/>
+          </a:ln>
+        </p:spPr>
+      </p:pic>
     </p:spTree>
     <p:extLst>
       <p:ext uri="{BB962C8B-B14F-4D97-AF65-F5344CB8AC3E}">
@@ -5520,11 +9533,18 @@
   <p:clrMapOvr>
     <a:masterClrMapping/>
   </p:clrMapOvr>
+  <p:timing>
+    <p:tnLst>
+      <p:par>
+        <p:cTn xmlns:p14="http://schemas.microsoft.com/office/powerpoint/2010/main" id="1" dur="indefinite" restart="never" nodeType="tmRoot"/>
+      </p:par>
+    </p:tnLst>
+  </p:timing>
 </p:sld>
 </file>
 
 <file path=ppt/theme/theme1.xml><?xml version="1.0" encoding="utf-8"?>
-<a:theme xmlns:a="http://schemas.openxmlformats.org/drawingml/2006/main" name="Office Theme">
+<a:theme xmlns:a="http://schemas.openxmlformats.org/drawingml/2006/main" name="Black">
   <a:themeElements>
     <a:clrScheme name="Office">
       <a:dk1>
@@ -5668,16 +9688,20 @@
           <a:gsLst>
             <a:gs pos="0">
               <a:schemeClr val="phClr">
-                <a:tint val="100000"/>
-                <a:shade val="100000"/>
+                <a:shade val="51000"/>
+                <a:satMod val="130000"/>
+              </a:schemeClr>
+            </a:gs>
+            <a:gs pos="80000">
+              <a:schemeClr val="phClr">
+                <a:shade val="93000"/>
                 <a:satMod val="130000"/>
               </a:schemeClr>
             </a:gs>
             <a:gs pos="100000">
               <a:schemeClr val="phClr">
-                <a:tint val="50000"/>
-                <a:shade val="100000"/>
-                <a:satMod val="350000"/>
+                <a:shade val="94000"/>
+                <a:satMod val="135000"/>
               </a:schemeClr>
             </a:gs>
           </a:gsLst>
@@ -5799,46 +9823,7 @@
       </a:bgFillStyleLst>
     </a:fmtScheme>
   </a:themeElements>
-  <a:objectDefaults>
-    <a:spDef>
-      <a:spPr/>
-      <a:bodyPr/>
-      <a:lstStyle/>
-      <a:style>
-        <a:lnRef idx="1">
-          <a:schemeClr val="accent1"/>
-        </a:lnRef>
-        <a:fillRef idx="3">
-          <a:schemeClr val="accent1"/>
-        </a:fillRef>
-        <a:effectRef idx="2">
-          <a:schemeClr val="accent1"/>
-        </a:effectRef>
-        <a:fontRef idx="minor">
-          <a:schemeClr val="lt1"/>
-        </a:fontRef>
-      </a:style>
-    </a:spDef>
-    <a:lnDef>
-      <a:spPr/>
-      <a:bodyPr/>
-      <a:lstStyle/>
-      <a:style>
-        <a:lnRef idx="2">
-          <a:schemeClr val="accent1"/>
-        </a:lnRef>
-        <a:fillRef idx="0">
-          <a:schemeClr val="accent1"/>
-        </a:fillRef>
-        <a:effectRef idx="1">
-          <a:schemeClr val="accent1"/>
-        </a:effectRef>
-        <a:fontRef idx="minor">
-          <a:schemeClr val="tx1"/>
-        </a:fontRef>
-      </a:style>
-    </a:lnDef>
-  </a:objectDefaults>
+  <a:objectDefaults/>
   <a:extraClrSchemeLst/>
 </a:theme>
 </file>